--- a/slides/AWS-Blockchain-Fabric-Quickstart.pptx
+++ b/slides/AWS-Blockchain-Fabric-Quickstart.pptx
@@ -5,10 +5,10 @@
     <p:sldMasterId id="2147483852" r:id="rId1"/>
   </p:sldMasterIdLst>
   <p:notesMasterIdLst>
-    <p:notesMasterId r:id="rId12"/>
+    <p:notesMasterId r:id="rId13"/>
   </p:notesMasterIdLst>
   <p:handoutMasterIdLst>
-    <p:handoutMasterId r:id="rId13"/>
+    <p:handoutMasterId r:id="rId14"/>
   </p:handoutMasterIdLst>
   <p:sldIdLst>
     <p:sldId id="256" r:id="rId2"/>
@@ -16,11 +16,12 @@
     <p:sldId id="270" r:id="rId4"/>
     <p:sldId id="266" r:id="rId5"/>
     <p:sldId id="267" r:id="rId6"/>
-    <p:sldId id="262" r:id="rId7"/>
-    <p:sldId id="272" r:id="rId8"/>
-    <p:sldId id="271" r:id="rId9"/>
-    <p:sldId id="268" r:id="rId10"/>
-    <p:sldId id="265" r:id="rId11"/>
+    <p:sldId id="273" r:id="rId7"/>
+    <p:sldId id="262" r:id="rId8"/>
+    <p:sldId id="272" r:id="rId9"/>
+    <p:sldId id="271" r:id="rId10"/>
+    <p:sldId id="268" r:id="rId11"/>
+    <p:sldId id="265" r:id="rId12"/>
   </p:sldIdLst>
   <p:sldSz cx="9144000" cy="6858000" type="screen4x3"/>
   <p:notesSz cx="6858000" cy="9144000"/>
@@ -205,7 +206,7 @@
             <a:fld id="{814910AB-AEF0-414C-82CB-791080B1186B}" type="datetimeFigureOut">
               <a:rPr lang="en-US" smtClean="0"/>
               <a:pPr/>
-              <a:t>7/20/2019</a:t>
+              <a:t>7/22/2019</a:t>
             </a:fld>
             <a:endParaRPr lang="en-US" dirty="0"/>
           </a:p>
@@ -372,7 +373,7 @@
             <a:fld id="{5B4AE38D-E020-46F3-803D-8636C5B7B74E}" type="datetimeFigureOut">
               <a:rPr lang="en-US" smtClean="0"/>
               <a:pPr/>
-              <a:t>7/20/2019</a:t>
+              <a:t>7/22/2019</a:t>
             </a:fld>
             <a:endParaRPr lang="en-US" dirty="0"/>
           </a:p>
@@ -754,7 +755,7 @@
             <a:fld id="{74DE7DC8-A302-4EFB-9208-987A80C71CE4}" type="slidenum">
               <a:rPr lang="en-US" smtClean="0"/>
               <a:pPr/>
-              <a:t>6</a:t>
+              <a:t>7</a:t>
             </a:fld>
             <a:endParaRPr lang="en-US" dirty="0"/>
           </a:p>
@@ -879,7 +880,7 @@
             <a:fld id="{74DE7DC8-A302-4EFB-9208-987A80C71CE4}" type="slidenum">
               <a:rPr lang="en-US" smtClean="0"/>
               <a:pPr/>
-              <a:t>7</a:t>
+              <a:t>8</a:t>
             </a:fld>
             <a:endParaRPr lang="en-US" dirty="0"/>
           </a:p>
@@ -1004,7 +1005,7 @@
             <a:fld id="{74DE7DC8-A302-4EFB-9208-987A80C71CE4}" type="slidenum">
               <a:rPr lang="en-US" smtClean="0"/>
               <a:pPr/>
-              <a:t>8</a:t>
+              <a:t>9</a:t>
             </a:fld>
             <a:endParaRPr lang="en-US" dirty="0"/>
           </a:p>
@@ -1200,7 +1201,7 @@
             <a:fld id="{7DDB771E-4AED-4DD3-8AA1-5D9FD2224F14}" type="datetimeFigureOut">
               <a:rPr lang="en-US" smtClean="0"/>
               <a:pPr/>
-              <a:t>7/20/2019</a:t>
+              <a:t>7/22/2019</a:t>
             </a:fld>
             <a:endParaRPr lang="en-US" dirty="0"/>
           </a:p>
@@ -1367,7 +1368,7 @@
             <a:fld id="{7DDB771E-4AED-4DD3-8AA1-5D9FD2224F14}" type="datetimeFigureOut">
               <a:rPr lang="en-US" smtClean="0"/>
               <a:pPr/>
-              <a:t>7/20/2019</a:t>
+              <a:t>7/22/2019</a:t>
             </a:fld>
             <a:endParaRPr lang="en-US" dirty="0"/>
           </a:p>
@@ -1544,7 +1545,7 @@
             <a:fld id="{7DDB771E-4AED-4DD3-8AA1-5D9FD2224F14}" type="datetimeFigureOut">
               <a:rPr lang="en-US" smtClean="0"/>
               <a:pPr/>
-              <a:t>7/20/2019</a:t>
+              <a:t>7/22/2019</a:t>
             </a:fld>
             <a:endParaRPr lang="en-US" dirty="0"/>
           </a:p>
@@ -1711,7 +1712,7 @@
             <a:fld id="{7DDB771E-4AED-4DD3-8AA1-5D9FD2224F14}" type="datetimeFigureOut">
               <a:rPr lang="en-US" smtClean="0"/>
               <a:pPr/>
-              <a:t>7/20/2019</a:t>
+              <a:t>7/22/2019</a:t>
             </a:fld>
             <a:endParaRPr lang="en-US" dirty="0"/>
           </a:p>
@@ -1954,7 +1955,7 @@
             <a:fld id="{7DDB771E-4AED-4DD3-8AA1-5D9FD2224F14}" type="datetimeFigureOut">
               <a:rPr lang="en-US" smtClean="0"/>
               <a:pPr/>
-              <a:t>7/20/2019</a:t>
+              <a:t>7/22/2019</a:t>
             </a:fld>
             <a:endParaRPr lang="en-US" dirty="0"/>
           </a:p>
@@ -2239,7 +2240,7 @@
             <a:fld id="{7DDB771E-4AED-4DD3-8AA1-5D9FD2224F14}" type="datetimeFigureOut">
               <a:rPr lang="en-US" smtClean="0"/>
               <a:pPr/>
-              <a:t>7/20/2019</a:t>
+              <a:t>7/22/2019</a:t>
             </a:fld>
             <a:endParaRPr lang="en-US" dirty="0"/>
           </a:p>
@@ -2658,7 +2659,7 @@
             <a:fld id="{7DDB771E-4AED-4DD3-8AA1-5D9FD2224F14}" type="datetimeFigureOut">
               <a:rPr lang="en-US" smtClean="0"/>
               <a:pPr/>
-              <a:t>7/20/2019</a:t>
+              <a:t>7/22/2019</a:t>
             </a:fld>
             <a:endParaRPr lang="en-US" dirty="0"/>
           </a:p>
@@ -2773,7 +2774,7 @@
             <a:fld id="{7DDB771E-4AED-4DD3-8AA1-5D9FD2224F14}" type="datetimeFigureOut">
               <a:rPr lang="en-US" smtClean="0"/>
               <a:pPr/>
-              <a:t>7/20/2019</a:t>
+              <a:t>7/22/2019</a:t>
             </a:fld>
             <a:endParaRPr lang="en-US" dirty="0"/>
           </a:p>
@@ -2865,7 +2866,7 @@
             <a:fld id="{7DDB771E-4AED-4DD3-8AA1-5D9FD2224F14}" type="datetimeFigureOut">
               <a:rPr lang="en-US" smtClean="0"/>
               <a:pPr/>
-              <a:t>7/20/2019</a:t>
+              <a:t>7/22/2019</a:t>
             </a:fld>
             <a:endParaRPr lang="en-US" dirty="0"/>
           </a:p>
@@ -3139,7 +3140,7 @@
             <a:fld id="{7DDB771E-4AED-4DD3-8AA1-5D9FD2224F14}" type="datetimeFigureOut">
               <a:rPr lang="en-US" smtClean="0"/>
               <a:pPr/>
-              <a:t>7/20/2019</a:t>
+              <a:t>7/22/2019</a:t>
             </a:fld>
             <a:endParaRPr lang="en-US" dirty="0"/>
           </a:p>
@@ -3389,7 +3390,7 @@
             <a:fld id="{7DDB771E-4AED-4DD3-8AA1-5D9FD2224F14}" type="datetimeFigureOut">
               <a:rPr lang="en-US" smtClean="0"/>
               <a:pPr/>
-              <a:t>7/20/2019</a:t>
+              <a:t>7/22/2019</a:t>
             </a:fld>
             <a:endParaRPr lang="en-US" dirty="0"/>
           </a:p>
@@ -3599,7 +3600,7 @@
             <a:fld id="{7DDB771E-4AED-4DD3-8AA1-5D9FD2224F14}" type="datetimeFigureOut">
               <a:rPr lang="en-US" smtClean="0"/>
               <a:pPr/>
-              <a:t>7/20/2019</a:t>
+              <a:t>7/22/2019</a:t>
             </a:fld>
             <a:endParaRPr lang="en-US" dirty="0"/>
           </a:p>
@@ -4101,15 +4102,7 @@
                 <a:ea typeface="+mj-ea"/>
                 <a:cs typeface="+mj-cs"/>
               </a:rPr>
-              <a:t>AWS </a:t>
-            </a:r>
-            <a:r>
-              <a:rPr lang="en-US" sz="4400" dirty="0" smtClean="0">
-                <a:latin typeface="+mj-lt"/>
-                <a:ea typeface="+mj-ea"/>
-                <a:cs typeface="+mj-cs"/>
-              </a:rPr>
-              <a:t>Managed Blockchain QuickStart</a:t>
+              <a:t>AWS Managed Blockchain QuickStart</a:t>
             </a:r>
             <a:endParaRPr kumimoji="0" lang="en-US" sz="4400" b="0" i="0" u="none" strike="noStrike" kern="1200" cap="none" spc="0" normalizeH="0" baseline="0" noProof="0" dirty="0">
               <a:ln>
@@ -4158,6 +4151,66 @@
       </p:grpSpPr>
       <p:sp>
         <p:nvSpPr>
+          <p:cNvPr id="2" name="Title 1"/>
+          <p:cNvSpPr>
+            <a:spLocks noGrp="1"/>
+          </p:cNvSpPr>
+          <p:nvPr>
+            <p:ph type="title"/>
+          </p:nvPr>
+        </p:nvSpPr>
+        <p:spPr/>
+        <p:txBody>
+          <a:bodyPr/>
+          <a:lstStyle/>
+          <a:p>
+            <a:r>
+              <a:rPr lang="en-US" dirty="0" smtClean="0"/>
+              <a:t>Questions?</a:t>
+            </a:r>
+            <a:endParaRPr lang="en-US" dirty="0"/>
+          </a:p>
+        </p:txBody>
+      </p:sp>
+    </p:spTree>
+    <p:extLst>
+      <p:ext uri="{BB962C8B-B14F-4D97-AF65-F5344CB8AC3E}">
+        <p14:creationId xmlns:p14="http://schemas.microsoft.com/office/powerpoint/2010/main" val="1733325867"/>
+      </p:ext>
+    </p:extLst>
+  </p:cSld>
+  <p:clrMapOvr>
+    <a:masterClrMapping/>
+  </p:clrMapOvr>
+  <p:timing>
+    <p:tnLst>
+      <p:par>
+        <p:cTn id="1" dur="indefinite" restart="never" nodeType="tmRoot"/>
+      </p:par>
+    </p:tnLst>
+  </p:timing>
+</p:sld>
+</file>
+
+<file path=ppt/slides/slide11.xml><?xml version="1.0" encoding="utf-8"?>
+<p:sld xmlns:a="http://schemas.openxmlformats.org/drawingml/2006/main" xmlns:r="http://schemas.openxmlformats.org/officeDocument/2006/relationships" xmlns:p="http://schemas.openxmlformats.org/presentationml/2006/main">
+  <p:cSld>
+    <p:spTree>
+      <p:nvGrpSpPr>
+        <p:cNvPr id="1" name=""/>
+        <p:cNvGrpSpPr/>
+        <p:nvPr/>
+      </p:nvGrpSpPr>
+      <p:grpSpPr>
+        <a:xfrm>
+          <a:off x="0" y="0"/>
+          <a:ext cx="0" cy="0"/>
+          <a:chOff x="0" y="0"/>
+          <a:chExt cx="0" cy="0"/>
+        </a:xfrm>
+      </p:grpSpPr>
+      <p:sp>
+        <p:nvSpPr>
           <p:cNvPr id="5" name="TextBox 4"/>
           <p:cNvSpPr txBox="1"/>
           <p:nvPr/>
@@ -4224,7 +4277,6 @@
               <a:rPr lang="en-US" dirty="0" smtClean="0"/>
               <a:t>money.cnn.com/2018/09/06/technology/ibm-blockchain-gamble</a:t>
             </a:r>
-            <a:endParaRPr lang="en-US" dirty="0" smtClean="0"/>
           </a:p>
         </p:txBody>
       </p:sp>
@@ -4455,7 +4507,6 @@
               <a:rPr lang="en-US" dirty="0" smtClean="0"/>
               <a:t>blockchain infrastructure</a:t>
             </a:r>
-            <a:endParaRPr lang="en-US" dirty="0" smtClean="0"/>
           </a:p>
           <a:p>
             <a:endParaRPr lang="en-US" dirty="0" smtClean="0"/>
@@ -4471,27 +4522,15 @@
             </a:r>
             <a:r>
               <a:rPr lang="en-US" dirty="0" smtClean="0"/>
-              <a:t> Amazon </a:t>
-            </a:r>
-            <a:r>
-              <a:rPr lang="en-US" dirty="0" smtClean="0"/>
-              <a:t>Managed Blockchain runs </a:t>
+              <a:t> Amazon Managed Blockchain runs </a:t>
             </a:r>
             <a:r>
               <a:rPr lang="en-US" dirty="0"/>
-              <a:t>up-to-date versions of </a:t>
-            </a:r>
-            <a:r>
-              <a:rPr lang="en-US" dirty="0"/>
-              <a:t>Hyperledger </a:t>
-            </a:r>
-            <a:r>
-              <a:rPr lang="en-US" dirty="0" smtClean="0"/>
-              <a:t>Fabric. </a:t>
-            </a:r>
-            <a:r>
-              <a:rPr lang="en-US" dirty="0" smtClean="0"/>
-              <a:t>Currently 1.2</a:t>
+              <a:t>up-to-date versions of Hyperledger </a:t>
+            </a:r>
+            <a:r>
+              <a:rPr lang="en-US" dirty="0" smtClean="0"/>
+              <a:t>Fabric. Currently 1.2</a:t>
             </a:r>
             <a:endParaRPr lang="en-US" dirty="0"/>
           </a:p>
@@ -4511,7 +4550,6 @@
               <a:rPr lang="en-US" dirty="0" smtClean="0"/>
               <a:t>  Ethereum is included on their Roadmap</a:t>
             </a:r>
-            <a:endParaRPr lang="en-US" dirty="0" smtClean="0"/>
           </a:p>
           <a:p>
             <a:endParaRPr lang="en-US" dirty="0" smtClean="0"/>
@@ -4523,11 +4561,7 @@
             </a:pPr>
             <a:r>
               <a:rPr lang="en-US" dirty="0" smtClean="0"/>
-              <a:t>  </a:t>
-            </a:r>
-            <a:r>
-              <a:rPr lang="en-US" dirty="0" smtClean="0"/>
-              <a:t>On Demand</a:t>
+              <a:t>  On Demand</a:t>
             </a:r>
             <a:endParaRPr lang="en-US" dirty="0"/>
           </a:p>
@@ -4560,11 +4594,7 @@
           <a:p>
             <a:r>
               <a:rPr lang="en-US" dirty="0" smtClean="0"/>
-              <a:t>Why AWS </a:t>
-            </a:r>
-            <a:r>
-              <a:rPr lang="en-US" dirty="0" smtClean="0"/>
-              <a:t>Managed Blockchain?</a:t>
+              <a:t>Why AWS Managed Blockchain?</a:t>
             </a:r>
             <a:endParaRPr lang="en-US" dirty="0"/>
           </a:p>
@@ -4660,11 +4690,7 @@
             </a:pPr>
             <a:r>
               <a:rPr lang="en-US" dirty="0" smtClean="0"/>
-              <a:t>  AWS Account (root</a:t>
-            </a:r>
-            <a:r>
-              <a:rPr lang="en-US" dirty="0" smtClean="0"/>
-              <a:t>)</a:t>
+              <a:t>  AWS Account (root)</a:t>
             </a:r>
           </a:p>
           <a:p>
@@ -4674,17 +4700,8 @@
             </a:pPr>
             <a:r>
               <a:rPr lang="en-US" dirty="0" smtClean="0"/>
-              <a:t>  </a:t>
-            </a:r>
-            <a:r>
-              <a:rPr lang="en-US" dirty="0" smtClean="0"/>
-              <a:t>An EC2 Instance in which to install </a:t>
-            </a:r>
-            <a:r>
-              <a:rPr lang="en-US" dirty="0" smtClean="0"/>
-              <a:t>AWS CLI Version 1.16.x or greater</a:t>
-            </a:r>
-            <a:endParaRPr lang="en-US" dirty="0" smtClean="0"/>
+              <a:t>  An EC2 Instance in which to install AWS CLI Version 1.16.x or greater</a:t>
+            </a:r>
           </a:p>
           <a:p>
             <a:pPr>
@@ -4693,17 +4710,8 @@
             </a:pPr>
             <a:r>
               <a:rPr lang="en-US" dirty="0" smtClean="0"/>
-              <a:t> Installation </a:t>
-            </a:r>
-            <a:r>
-              <a:rPr lang="en-US" dirty="0" smtClean="0"/>
-              <a:t>time ~30 </a:t>
-            </a:r>
-            <a:r>
-              <a:rPr lang="en-US" dirty="0" smtClean="0"/>
-              <a:t>minutes</a:t>
-            </a:r>
-            <a:endParaRPr lang="en-US" dirty="0" smtClean="0"/>
+              <a:t> Installation time ~30 minutes</a:t>
+            </a:r>
           </a:p>
         </p:txBody>
       </p:sp>
@@ -4752,18 +4760,18 @@
         <p:spPr>
           <a:xfrm>
             <a:off x="457200" y="274638"/>
-            <a:ext cx="8229600" cy="1143000"/>
+            <a:ext cx="7302137" cy="1143000"/>
           </a:xfrm>
         </p:spPr>
         <p:txBody>
           <a:bodyPr>
-            <a:normAutofit/>
+            <a:normAutofit fontScale="90000"/>
           </a:bodyPr>
           <a:lstStyle/>
           <a:p>
             <a:r>
               <a:rPr lang="en-US" dirty="0" smtClean="0"/>
-              <a:t>Architecture</a:t>
+              <a:t>AWS Shared Responsibility Model</a:t>
             </a:r>
             <a:endParaRPr lang="en-US" dirty="0"/>
           </a:p>
@@ -4771,9 +4779,9 @@
       </p:sp>
       <p:pic>
         <p:nvPicPr>
-          <p:cNvPr id="2" name="Picture 1"/>
+          <p:cNvPr id="1026" name="Picture 2"/>
           <p:cNvPicPr>
-            <a:picLocks noChangeAspect="1"/>
+            <a:picLocks noChangeAspect="1" noChangeArrowheads="1"/>
           </p:cNvPicPr>
           <p:nvPr/>
         </p:nvPicPr>
@@ -4785,18 +4793,52 @@
               </a:ext>
             </a:extLst>
           </a:blip>
+          <a:srcRect/>
           <a:stretch>
             <a:fillRect/>
           </a:stretch>
         </p:blipFill>
-        <p:spPr>
+        <p:spPr bwMode="auto">
           <a:xfrm>
-            <a:off x="1045028" y="1624200"/>
-            <a:ext cx="7406640" cy="4602623"/>
+            <a:off x="1980111" y="1462773"/>
+            <a:ext cx="4480560" cy="4843426"/>
           </a:xfrm>
           <a:prstGeom prst="rect">
             <a:avLst/>
           </a:prstGeom>
+          <a:noFill/>
+          <a:ln>
+            <a:noFill/>
+          </a:ln>
+          <a:effectLst/>
+          <a:extLst>
+            <a:ext uri="{909E8E84-426E-40DD-AFC4-6F175D3DCCD1}">
+              <a14:hiddenFill xmlns:a14="http://schemas.microsoft.com/office/drawing/2010/main">
+                <a:solidFill>
+                  <a:schemeClr val="accent1"/>
+                </a:solidFill>
+              </a14:hiddenFill>
+            </a:ext>
+            <a:ext uri="{91240B29-F687-4F45-9708-019B960494DF}">
+              <a14:hiddenLine xmlns:a14="http://schemas.microsoft.com/office/drawing/2010/main" w="9525">
+                <a:solidFill>
+                  <a:schemeClr val="tx1"/>
+                </a:solidFill>
+                <a:miter lim="800000"/>
+                <a:headEnd/>
+                <a:tailEnd/>
+              </a14:hiddenLine>
+            </a:ext>
+            <a:ext uri="{AF507438-7753-43E0-B8FC-AC1667EBCBE1}">
+              <a14:hiddenEffects xmlns:a14="http://schemas.microsoft.com/office/drawing/2010/main">
+                <a:effectLst>
+                  <a:outerShdw dist="35921" dir="2700000" algn="ctr" rotWithShape="0">
+                    <a:schemeClr val="bg2"/>
+                  </a:outerShdw>
+                </a:effectLst>
+              </a14:hiddenEffects>
+            </a:ext>
+          </a:extLst>
         </p:spPr>
       </p:pic>
     </p:spTree>
@@ -4846,142 +4888,227 @@
             <p:ph type="title"/>
           </p:nvPr>
         </p:nvSpPr>
-        <p:spPr/>
-        <p:txBody>
-          <a:bodyPr/>
-          <a:lstStyle/>
-          <a:p>
-            <a:r>
-              <a:rPr lang="en-US" dirty="0" smtClean="0"/>
-              <a:t>Installation </a:t>
-            </a:r>
-            <a:r>
-              <a:rPr lang="en-US" dirty="0" smtClean="0"/>
-              <a:t>Steps</a:t>
-            </a:r>
-            <a:endParaRPr lang="en-US" dirty="0"/>
-          </a:p>
-        </p:txBody>
-      </p:sp>
-      <p:sp>
-        <p:nvSpPr>
-          <p:cNvPr id="5" name="TextBox 4"/>
-          <p:cNvSpPr txBox="1"/>
-          <p:nvPr/>
-        </p:nvSpPr>
         <p:spPr>
           <a:xfrm>
-            <a:off x="879894" y="1584186"/>
-            <a:ext cx="7608651" cy="2031325"/>
+            <a:off x="457200" y="274638"/>
+            <a:ext cx="8229600" cy="1143000"/>
+          </a:xfrm>
+        </p:spPr>
+        <p:txBody>
+          <a:bodyPr>
+            <a:normAutofit/>
+          </a:bodyPr>
+          <a:lstStyle/>
+          <a:p>
+            <a:r>
+              <a:rPr lang="en-US" dirty="0" smtClean="0"/>
+              <a:t>Architecture</a:t>
+            </a:r>
+            <a:endParaRPr lang="en-US" dirty="0"/>
+          </a:p>
+        </p:txBody>
+      </p:sp>
+      <p:pic>
+        <p:nvPicPr>
+          <p:cNvPr id="2" name="Picture 1"/>
+          <p:cNvPicPr>
+            <a:picLocks noChangeAspect="1"/>
+          </p:cNvPicPr>
+          <p:nvPr/>
+        </p:nvPicPr>
+        <p:blipFill>
+          <a:blip r:embed="rId2">
+            <a:extLst>
+              <a:ext uri="{28A0092B-C50C-407E-A947-70E740481C1C}">
+                <a14:useLocalDpi xmlns:a14="http://schemas.microsoft.com/office/drawing/2010/main" val="0"/>
+              </a:ext>
+            </a:extLst>
+          </a:blip>
+          <a:stretch>
+            <a:fillRect/>
+          </a:stretch>
+        </p:blipFill>
+        <p:spPr>
+          <a:xfrm>
+            <a:off x="619659" y="1555903"/>
+            <a:ext cx="7406640" cy="4602623"/>
+          </a:xfrm>
+          <a:prstGeom prst="rect">
+            <a:avLst/>
+          </a:prstGeom>
+        </p:spPr>
+      </p:pic>
+      <p:sp>
+        <p:nvSpPr>
+          <p:cNvPr id="5" name="Rectangle 4"/>
+          <p:cNvSpPr/>
+          <p:nvPr/>
+        </p:nvSpPr>
+        <p:spPr>
+          <a:xfrm>
+            <a:off x="841971" y="1403287"/>
+            <a:ext cx="7269933" cy="2933323"/>
           </a:xfrm>
           <a:prstGeom prst="rect">
             <a:avLst/>
           </a:prstGeom>
           <a:noFill/>
         </p:spPr>
-        <p:txBody>
-          <a:bodyPr wrap="square" rtlCol="0">
+        <p:style>
+          <a:lnRef idx="2">
+            <a:schemeClr val="accent1">
+              <a:shade val="50000"/>
+            </a:schemeClr>
+          </a:lnRef>
+          <a:fillRef idx="1">
+            <a:schemeClr val="accent1"/>
+          </a:fillRef>
+          <a:effectRef idx="0">
+            <a:schemeClr val="accent1"/>
+          </a:effectRef>
+          <a:fontRef idx="minor">
+            <a:schemeClr val="lt1"/>
+          </a:fontRef>
+        </p:style>
+        <p:txBody>
+          <a:bodyPr rtlCol="0" anchor="ctr"/>
+          <a:lstStyle/>
+          <a:p>
+            <a:pPr algn="ctr"/>
+            <a:endParaRPr lang="en-US"/>
+          </a:p>
+        </p:txBody>
+      </p:sp>
+      <p:pic>
+        <p:nvPicPr>
+          <p:cNvPr id="1026" name="Picture 2"/>
+          <p:cNvPicPr>
+            <a:picLocks noChangeAspect="1" noChangeArrowheads="1"/>
+          </p:cNvPicPr>
+          <p:nvPr/>
+        </p:nvPicPr>
+        <p:blipFill>
+          <a:blip r:embed="rId3">
+            <a:extLst>
+              <a:ext uri="{28A0092B-C50C-407E-A947-70E740481C1C}">
+                <a14:useLocalDpi xmlns:a14="http://schemas.microsoft.com/office/drawing/2010/main" val="0"/>
+              </a:ext>
+            </a:extLst>
+          </a:blip>
+          <a:srcRect/>
+          <a:stretch>
+            <a:fillRect/>
+          </a:stretch>
+        </p:blipFill>
+        <p:spPr bwMode="auto">
+          <a:xfrm>
+            <a:off x="841971" y="4409038"/>
+            <a:ext cx="7297737" cy="1931845"/>
+          </a:xfrm>
+          <a:prstGeom prst="rect">
+            <a:avLst/>
+          </a:prstGeom>
+          <a:noFill/>
+          <a:ln>
+            <a:noFill/>
+          </a:ln>
+          <a:effectLst/>
+          <a:extLst>
+            <a:ext uri="{909E8E84-426E-40DD-AFC4-6F175D3DCCD1}">
+              <a14:hiddenFill xmlns:a14="http://schemas.microsoft.com/office/drawing/2010/main">
+                <a:solidFill>
+                  <a:schemeClr val="accent1"/>
+                </a:solidFill>
+              </a14:hiddenFill>
+            </a:ext>
+            <a:ext uri="{91240B29-F687-4F45-9708-019B960494DF}">
+              <a14:hiddenLine xmlns:a14="http://schemas.microsoft.com/office/drawing/2010/main" w="9525">
+                <a:solidFill>
+                  <a:schemeClr val="tx1"/>
+                </a:solidFill>
+                <a:miter lim="800000"/>
+                <a:headEnd/>
+                <a:tailEnd/>
+              </a14:hiddenLine>
+            </a:ext>
+            <a:ext uri="{AF507438-7753-43E0-B8FC-AC1667EBCBE1}">
+              <a14:hiddenEffects xmlns:a14="http://schemas.microsoft.com/office/drawing/2010/main">
+                <a:effectLst>
+                  <a:outerShdw dist="35921" dir="2700000" algn="ctr" rotWithShape="0">
+                    <a:schemeClr val="bg2"/>
+                  </a:outerShdw>
+                </a:effectLst>
+              </a14:hiddenEffects>
+            </a:ext>
+          </a:extLst>
+        </p:spPr>
+      </p:pic>
+      <p:sp>
+        <p:nvSpPr>
+          <p:cNvPr id="6" name="TextBox 5"/>
+          <p:cNvSpPr txBox="1"/>
+          <p:nvPr/>
+        </p:nvSpPr>
+        <p:spPr>
+          <a:xfrm>
+            <a:off x="887260" y="1438214"/>
+            <a:ext cx="1967398" cy="369332"/>
+          </a:xfrm>
+          <a:prstGeom prst="rect">
+            <a:avLst/>
+          </a:prstGeom>
+          <a:noFill/>
+        </p:spPr>
+        <p:txBody>
+          <a:bodyPr wrap="none" rtlCol="0">
             <a:spAutoFit/>
           </a:bodyPr>
           <a:lstStyle/>
           <a:p>
-            <a:pPr>
-              <a:buFont typeface="Arial" pitchFamily="34" charset="0"/>
-              <a:buChar char="•"/>
-            </a:pPr>
-            <a:r>
-              <a:rPr lang="en-US" dirty="0"/>
-              <a:t>  Create Amazon Managed Hyperledger</a:t>
-            </a:r>
-          </a:p>
-          <a:p>
-            <a:pPr>
-              <a:buFont typeface="Arial" pitchFamily="34" charset="0"/>
-              <a:buChar char="•"/>
-            </a:pPr>
-            <a:r>
-              <a:rPr lang="en-US" dirty="0" smtClean="0"/>
-              <a:t>  Create </a:t>
-            </a:r>
-            <a:r>
-              <a:rPr lang="en-US" dirty="0"/>
-              <a:t>Amazon Managed Hyperledger Fabric Peer Node</a:t>
-            </a:r>
-          </a:p>
-          <a:p>
-            <a:pPr>
-              <a:buFont typeface="Arial" pitchFamily="34" charset="0"/>
-              <a:buChar char="•"/>
-            </a:pPr>
-            <a:r>
-              <a:rPr lang="en-US" dirty="0" smtClean="0"/>
-              <a:t>  Create </a:t>
-            </a:r>
-            <a:r>
-              <a:rPr lang="en-US" dirty="0"/>
-              <a:t>AWS EC2 Hyperledger Console Instance</a:t>
-            </a:r>
-          </a:p>
-          <a:p>
-            <a:pPr>
-              <a:buFont typeface="Arial" pitchFamily="34" charset="0"/>
-              <a:buChar char="•"/>
-            </a:pPr>
-            <a:r>
-              <a:rPr lang="en-US" dirty="0" smtClean="0"/>
-              <a:t>  Create </a:t>
-            </a:r>
-            <a:r>
-              <a:rPr lang="en-US" dirty="0"/>
-              <a:t>AWS EC2 Hyperledger Fabric Client Node</a:t>
-            </a:r>
-          </a:p>
-          <a:p>
-            <a:pPr>
-              <a:buFont typeface="Arial" pitchFamily="34" charset="0"/>
-              <a:buChar char="•"/>
-            </a:pPr>
-            <a:r>
-              <a:rPr lang="en-US" dirty="0" smtClean="0"/>
-              <a:t>  Configure </a:t>
-            </a:r>
-            <a:r>
-              <a:rPr lang="en-US" dirty="0"/>
-              <a:t>AWS EC2 Hyperledger Fabric Client Node and Enroll Identity</a:t>
-            </a:r>
-          </a:p>
-          <a:p>
-            <a:pPr>
-              <a:buFont typeface="Arial" pitchFamily="34" charset="0"/>
-              <a:buChar char="•"/>
-            </a:pPr>
-            <a:r>
-              <a:rPr lang="en-US" dirty="0" smtClean="0"/>
-              <a:t>  Using </a:t>
-            </a:r>
-            <a:r>
-              <a:rPr lang="en-US" dirty="0"/>
-              <a:t>the AWS EC2 Hyperledger Fabric Client Node</a:t>
-            </a:r>
-          </a:p>
-          <a:p>
-            <a:pPr>
-              <a:buFont typeface="Arial" pitchFamily="34" charset="0"/>
-              <a:buChar char="•"/>
-            </a:pPr>
-            <a:r>
-              <a:rPr lang="en-US" dirty="0" smtClean="0"/>
-              <a:t>  Remove </a:t>
-            </a:r>
-            <a:r>
-              <a:rPr lang="en-US" dirty="0"/>
-              <a:t>Your Amazon Managed Hyperledger Fabric Network</a:t>
-            </a:r>
-            <a:endParaRPr lang="en-US" dirty="0" smtClean="0"/>
+            <a:r>
+              <a:rPr lang="en-US" dirty="0" smtClean="0"/>
+              <a:t>AWS Responsibility</a:t>
+            </a:r>
+            <a:endParaRPr lang="en-US" dirty="0"/>
+          </a:p>
+        </p:txBody>
+      </p:sp>
+      <p:sp>
+        <p:nvSpPr>
+          <p:cNvPr id="7" name="TextBox 6"/>
+          <p:cNvSpPr txBox="1"/>
+          <p:nvPr/>
+        </p:nvSpPr>
+        <p:spPr>
+          <a:xfrm>
+            <a:off x="887260" y="4456165"/>
+            <a:ext cx="2442464" cy="369332"/>
+          </a:xfrm>
+          <a:prstGeom prst="rect">
+            <a:avLst/>
+          </a:prstGeom>
+          <a:noFill/>
+        </p:spPr>
+        <p:txBody>
+          <a:bodyPr wrap="none" rtlCol="0">
+            <a:spAutoFit/>
+          </a:bodyPr>
+          <a:lstStyle/>
+          <a:p>
+            <a:r>
+              <a:rPr lang="en-US" dirty="0" smtClean="0"/>
+              <a:t>Customer Responsibility</a:t>
+            </a:r>
+            <a:endParaRPr lang="en-US" dirty="0"/>
           </a:p>
         </p:txBody>
       </p:sp>
     </p:spTree>
+    <p:extLst>
+      <p:ext uri="{BB962C8B-B14F-4D97-AF65-F5344CB8AC3E}">
+        <p14:creationId xmlns:p14="http://schemas.microsoft.com/office/powerpoint/2010/main" val="497872838"/>
+      </p:ext>
+    </p:extLst>
   </p:cSld>
   <p:clrMapOvr>
     <a:masterClrMapping/>
@@ -5030,7 +5157,7 @@
           <a:p>
             <a:r>
               <a:rPr lang="en-US" dirty="0" smtClean="0"/>
-              <a:t>Quick Demo</a:t>
+              <a:t>Installation Steps</a:t>
             </a:r>
             <a:endParaRPr lang="en-US" dirty="0"/>
           </a:p>
@@ -5044,8 +5171,8 @@
         </p:nvSpPr>
         <p:spPr>
           <a:xfrm>
-            <a:off x="757367" y="1584186"/>
-            <a:ext cx="7515090" cy="1477328"/>
+            <a:off x="879894" y="1584186"/>
+            <a:ext cx="7608651" cy="1754326"/>
           </a:xfrm>
           <a:prstGeom prst="rect">
             <a:avLst/>
@@ -5063,30 +5190,9 @@
               <a:buChar char="•"/>
             </a:pPr>
             <a:r>
-              <a:rPr lang="en-US" dirty="0" smtClean="0"/>
-              <a:t>  To save time </a:t>
-            </a:r>
-            <a:r>
-              <a:rPr lang="en-US" dirty="0" smtClean="0"/>
-              <a:t>an AWS Managed Blockchain has already been </a:t>
-            </a:r>
-            <a:r>
-              <a:rPr lang="en-US" dirty="0" smtClean="0"/>
-              <a:t>configured using </a:t>
-            </a:r>
-            <a:r>
-              <a:rPr lang="en-US" dirty="0" smtClean="0"/>
-              <a:t> EC2 cloud-init, AWS Console, AWS CloudFormation, </a:t>
-            </a:r>
-            <a:r>
-              <a:rPr lang="en-US" dirty="0" smtClean="0"/>
-              <a:t>and </a:t>
-            </a:r>
-            <a:r>
-              <a:rPr lang="en-US" dirty="0" smtClean="0"/>
-              <a:t>bash scripts.</a:t>
-            </a:r>
-            <a:endParaRPr lang="en-US" dirty="0" smtClean="0"/>
+              <a:rPr lang="en-US" dirty="0"/>
+              <a:t>  Create Amazon Managed Hyperledger</a:t>
+            </a:r>
           </a:p>
           <a:p>
             <a:pPr>
@@ -5094,26 +5200,12 @@
               <a:buChar char="•"/>
             </a:pPr>
             <a:r>
+              <a:rPr lang="en-US" dirty="0" smtClean="0"/>
+              <a:t>  Create </a:t>
+            </a:r>
+            <a:r>
               <a:rPr lang="en-US" dirty="0"/>
-              <a:t> </a:t>
-            </a:r>
-            <a:r>
-              <a:rPr lang="en-US" dirty="0" smtClean="0"/>
-              <a:t> I’ve already:</a:t>
-            </a:r>
-          </a:p>
-          <a:p>
-            <a:pPr lvl="1">
-              <a:buFont typeface="Arial" pitchFamily="34" charset="0"/>
-              <a:buChar char="•"/>
-            </a:pPr>
-            <a:r>
-              <a:rPr lang="en-US" dirty="0"/>
-              <a:t> </a:t>
-            </a:r>
-            <a:r>
-              <a:rPr lang="en-US" dirty="0" smtClean="0"/>
-              <a:t> </a:t>
+              <a:t>Amazon Managed Hyperledger Fabric Peer Node</a:t>
             </a:r>
           </a:p>
           <a:p>
@@ -5122,27 +5214,64 @@
               <a:buChar char="•"/>
             </a:pPr>
             <a:r>
+              <a:rPr lang="en-US" dirty="0" smtClean="0"/>
+              <a:t>  Create </a:t>
+            </a:r>
+            <a:r>
               <a:rPr lang="en-US" dirty="0"/>
-              <a:t> </a:t>
-            </a:r>
-            <a:r>
-              <a:rPr lang="en-US" dirty="0" smtClean="0"/>
-              <a:t> </a:t>
-            </a:r>
-            <a:r>
-              <a:rPr lang="en-US" dirty="0" smtClean="0"/>
-              <a:t>We should be able to </a:t>
-            </a:r>
-            <a:endParaRPr lang="en-US" dirty="0" smtClean="0"/>
+              <a:t>AWS EC2 Hyperledger Console Instance</a:t>
+            </a:r>
+          </a:p>
+          <a:p>
+            <a:pPr>
+              <a:buFont typeface="Arial" pitchFamily="34" charset="0"/>
+              <a:buChar char="•"/>
+            </a:pPr>
+            <a:r>
+              <a:rPr lang="en-US" dirty="0" smtClean="0"/>
+              <a:t>  Create </a:t>
+            </a:r>
+            <a:r>
+              <a:rPr lang="en-US" dirty="0"/>
+              <a:t>AWS EC2 Hyperledger Fabric Client Node</a:t>
+            </a:r>
+          </a:p>
+          <a:p>
+            <a:pPr>
+              <a:buFont typeface="Arial" pitchFamily="34" charset="0"/>
+              <a:buChar char="•"/>
+            </a:pPr>
+            <a:r>
+              <a:rPr lang="en-US" dirty="0" smtClean="0"/>
+              <a:t>  Configure </a:t>
+            </a:r>
+            <a:r>
+              <a:rPr lang="en-US" dirty="0"/>
+              <a:t>AWS EC2 Hyperledger Fabric Client Node and Enroll Identity</a:t>
+            </a:r>
+          </a:p>
+          <a:p>
+            <a:pPr>
+              <a:buFont typeface="Arial" pitchFamily="34" charset="0"/>
+              <a:buChar char="•"/>
+            </a:pPr>
+            <a:r>
+              <a:rPr lang="en-US" dirty="0" smtClean="0"/>
+              <a:t>  Using </a:t>
+            </a:r>
+            <a:r>
+              <a:rPr lang="en-US" dirty="0"/>
+              <a:t>the AWS EC2 Hyperledger Fabric Client </a:t>
+            </a:r>
+            <a:r>
+              <a:rPr lang="en-US" dirty="0" smtClean="0"/>
+              <a:t>Node</a:t>
+            </a:r>
+            <a:endParaRPr lang="en-US" dirty="0"/>
           </a:p>
         </p:txBody>
       </p:sp>
     </p:spTree>
-    <p:extLst>
-      <p:ext uri="{BB962C8B-B14F-4D97-AF65-F5344CB8AC3E}">
-        <p14:creationId xmlns:p14="http://schemas.microsoft.com/office/powerpoint/2010/main" val="2159253671"/>
-      </p:ext>
-    </p:extLst>
   </p:cSld>
   <p:clrMapOvr>
     <a:masterClrMapping/>
@@ -5191,7 +5320,7 @@
           <a:p>
             <a:r>
               <a:rPr lang="en-US" dirty="0" smtClean="0"/>
-              <a:t>Conclusions</a:t>
+              <a:t>Quick Demo</a:t>
             </a:r>
             <a:endParaRPr lang="en-US" dirty="0"/>
           </a:p>
@@ -5206,7 +5335,7 @@
         <p:spPr>
           <a:xfrm>
             <a:off x="757367" y="1584186"/>
-            <a:ext cx="7515090" cy="2031325"/>
+            <a:ext cx="7515090" cy="3416320"/>
           </a:xfrm>
           <a:prstGeom prst="rect">
             <a:avLst/>
@@ -5225,7 +5354,40 @@
             </a:pPr>
             <a:r>
               <a:rPr lang="en-US" dirty="0" smtClean="0"/>
-              <a:t>  Cons</a:t>
+              <a:t>  To save time an AWS Managed Blockchain has already been configured using  AWS Management Console, EC2 cloud-init, AWS </a:t>
+            </a:r>
+            <a:r>
+              <a:rPr lang="en-US" dirty="0" smtClean="0"/>
+              <a:t>CloudFormation, and scripts</a:t>
+            </a:r>
+            <a:r>
+              <a:rPr lang="en-US" dirty="0" smtClean="0"/>
+              <a:t>.</a:t>
+            </a:r>
+          </a:p>
+          <a:p>
+            <a:endParaRPr lang="en-US" dirty="0" smtClean="0"/>
+          </a:p>
+          <a:p>
+            <a:pPr>
+              <a:buFont typeface="Arial" pitchFamily="34" charset="0"/>
+              <a:buChar char="•"/>
+            </a:pPr>
+            <a:r>
+              <a:rPr lang="en-US" dirty="0"/>
+              <a:t> </a:t>
+            </a:r>
+            <a:r>
+              <a:rPr lang="en-US" dirty="0" smtClean="0"/>
+              <a:t> </a:t>
+            </a:r>
+            <a:r>
+              <a:rPr lang="en-US" dirty="0" smtClean="0"/>
+              <a:t>I’ve </a:t>
+            </a:r>
+            <a:r>
+              <a:rPr lang="en-US" dirty="0" smtClean="0"/>
+              <a:t>already:</a:t>
             </a:r>
           </a:p>
           <a:p>
@@ -5239,23 +5401,7 @@
             </a:r>
             <a:r>
               <a:rPr lang="en-US" dirty="0" smtClean="0"/>
-              <a:t>Unfortunately </a:t>
-            </a:r>
-            <a:r>
-              <a:rPr lang="en-US" dirty="0"/>
-              <a:t>this is </a:t>
-            </a:r>
-            <a:r>
-              <a:rPr lang="en-US" dirty="0" smtClean="0"/>
-              <a:t>still a </a:t>
-            </a:r>
-            <a:r>
-              <a:rPr lang="en-US" dirty="0"/>
-              <a:t>pretty manual effort right </a:t>
-            </a:r>
-            <a:r>
-              <a:rPr lang="en-US" dirty="0" smtClean="0"/>
-              <a:t>now, not what I would expect for a AWS Managed Service</a:t>
+              <a:t> Created a Fabric Channel</a:t>
             </a:r>
           </a:p>
           <a:p>
@@ -5269,20 +5415,42 @@
             </a:r>
             <a:r>
               <a:rPr lang="en-US" dirty="0" smtClean="0"/>
-              <a:t> Need for </a:t>
-            </a:r>
-            <a:r>
-              <a:rPr lang="en-US" dirty="0" smtClean="0"/>
-              <a:t>bash scripts, CloudFormation, </a:t>
-            </a:r>
-            <a:r>
-              <a:rPr lang="en-US" dirty="0" smtClean="0"/>
-              <a:t>and EC2 cloud-init scripts to speed the </a:t>
-            </a:r>
-            <a:r>
-              <a:rPr lang="en-US" dirty="0" smtClean="0"/>
-              <a:t>process</a:t>
-            </a:r>
+              <a:t> Joined the Peer Node to the Channel</a:t>
+            </a:r>
+          </a:p>
+          <a:p>
+            <a:pPr lvl="1">
+              <a:buFont typeface="Arial" pitchFamily="34" charset="0"/>
+              <a:buChar char="•"/>
+            </a:pPr>
+            <a:r>
+              <a:rPr lang="en-US" dirty="0"/>
+              <a:t> </a:t>
+            </a:r>
+            <a:r>
+              <a:rPr lang="en-US" dirty="0" smtClean="0"/>
+              <a:t> Installed Chaincode</a:t>
+            </a:r>
+          </a:p>
+          <a:p>
+            <a:pPr lvl="1">
+              <a:buFont typeface="Arial" pitchFamily="34" charset="0"/>
+              <a:buChar char="•"/>
+            </a:pPr>
+            <a:r>
+              <a:rPr lang="en-US" dirty="0"/>
+              <a:t> </a:t>
+            </a:r>
+            <a:r>
+              <a:rPr lang="en-US" dirty="0" smtClean="0"/>
+              <a:t> Instantiated the Chaincode on the Channel</a:t>
+            </a:r>
+          </a:p>
+          <a:p>
+            <a:pPr lvl="1">
+              <a:buFont typeface="Arial" pitchFamily="34" charset="0"/>
+              <a:buChar char="•"/>
+            </a:pPr>
             <a:endParaRPr lang="en-US" dirty="0" smtClean="0"/>
           </a:p>
           <a:p>
@@ -5291,8 +5459,12 @@
               <a:buChar char="•"/>
             </a:pPr>
             <a:r>
-              <a:rPr lang="en-US" dirty="0" smtClean="0"/>
-              <a:t>  Pros</a:t>
+              <a:rPr lang="en-US" dirty="0"/>
+              <a:t> </a:t>
+            </a:r>
+            <a:r>
+              <a:rPr lang="en-US" dirty="0" smtClean="0"/>
+              <a:t> We should be able to perform basic operations using the Chaincode:</a:t>
             </a:r>
           </a:p>
           <a:p>
@@ -5306,7 +5478,21 @@
             </a:r>
             <a:r>
               <a:rPr lang="en-US" dirty="0" smtClean="0"/>
+              <a:t> Query the Chaincode</a:t>
+            </a:r>
+          </a:p>
+          <a:p>
+            <a:pPr lvl="1">
+              <a:buFont typeface="Arial" pitchFamily="34" charset="0"/>
+              <a:buChar char="•"/>
+            </a:pPr>
+            <a:r>
+              <a:rPr lang="en-US" dirty="0"/>
               <a:t> </a:t>
+            </a:r>
+            <a:r>
+              <a:rPr lang="en-US" dirty="0" smtClean="0"/>
+              <a:t> Invoke a Transaction</a:t>
             </a:r>
           </a:p>
         </p:txBody>
@@ -5314,7 +5500,7 @@
     </p:spTree>
     <p:extLst>
       <p:ext uri="{BB962C8B-B14F-4D97-AF65-F5344CB8AC3E}">
-        <p14:creationId xmlns:p14="http://schemas.microsoft.com/office/powerpoint/2010/main" val="1236400761"/>
+        <p14:creationId xmlns:p14="http://schemas.microsoft.com/office/powerpoint/2010/main" val="2159253671"/>
       </p:ext>
     </p:extLst>
   </p:cSld>
@@ -5350,7 +5536,7 @@
       </p:grpSpPr>
       <p:sp>
         <p:nvSpPr>
-          <p:cNvPr id="2" name="Title 1"/>
+          <p:cNvPr id="3" name="Title 1"/>
           <p:cNvSpPr>
             <a:spLocks noGrp="1"/>
           </p:cNvSpPr>
@@ -5365,16 +5551,136 @@
           <a:p>
             <a:r>
               <a:rPr lang="en-US" dirty="0" smtClean="0"/>
-              <a:t>Questions?</a:t>
-            </a:r>
-            <a:endParaRPr lang="en-US" dirty="0"/>
+              <a:t>Conclusions</a:t>
+            </a:r>
+            <a:endParaRPr lang="en-US" dirty="0"/>
+          </a:p>
+        </p:txBody>
+      </p:sp>
+      <p:sp>
+        <p:nvSpPr>
+          <p:cNvPr id="5" name="TextBox 4"/>
+          <p:cNvSpPr txBox="1"/>
+          <p:nvPr/>
+        </p:nvSpPr>
+        <p:spPr>
+          <a:xfrm>
+            <a:off x="757367" y="1584186"/>
+            <a:ext cx="7515090" cy="2308324"/>
+          </a:xfrm>
+          <a:prstGeom prst="rect">
+            <a:avLst/>
+          </a:prstGeom>
+          <a:noFill/>
+        </p:spPr>
+        <p:txBody>
+          <a:bodyPr wrap="square" rtlCol="0">
+            <a:spAutoFit/>
+          </a:bodyPr>
+          <a:lstStyle/>
+          <a:p>
+            <a:pPr>
+              <a:buFont typeface="Arial" pitchFamily="34" charset="0"/>
+              <a:buChar char="•"/>
+            </a:pPr>
+            <a:r>
+              <a:rPr lang="en-US" dirty="0" smtClean="0"/>
+              <a:t>  Cons</a:t>
+            </a:r>
+          </a:p>
+          <a:p>
+            <a:pPr lvl="1">
+              <a:buFont typeface="Arial" pitchFamily="34" charset="0"/>
+              <a:buChar char="•"/>
+            </a:pPr>
+            <a:r>
+              <a:rPr lang="en-US" dirty="0"/>
+              <a:t> </a:t>
+            </a:r>
+            <a:r>
+              <a:rPr lang="en-US" dirty="0" smtClean="0"/>
+              <a:t>Unfortunately </a:t>
+            </a:r>
+            <a:r>
+              <a:rPr lang="en-US" dirty="0"/>
+              <a:t>this is </a:t>
+            </a:r>
+            <a:r>
+              <a:rPr lang="en-US" dirty="0" smtClean="0"/>
+              <a:t>still a </a:t>
+            </a:r>
+            <a:r>
+              <a:rPr lang="en-US" dirty="0"/>
+              <a:t>pretty manual effort right </a:t>
+            </a:r>
+            <a:r>
+              <a:rPr lang="en-US" dirty="0" smtClean="0"/>
+              <a:t>now, not what I would expect for a AWS Managed Service</a:t>
+            </a:r>
+          </a:p>
+          <a:p>
+            <a:pPr lvl="1">
+              <a:buFont typeface="Arial" pitchFamily="34" charset="0"/>
+              <a:buChar char="•"/>
+            </a:pPr>
+            <a:r>
+              <a:rPr lang="en-US" dirty="0"/>
+              <a:t> </a:t>
+            </a:r>
+            <a:r>
+              <a:rPr lang="en-US" dirty="0" smtClean="0"/>
+              <a:t> Need for bash scripts, CloudFormation, and EC2 cloud-init scripts to speed </a:t>
+            </a:r>
+            <a:r>
+              <a:rPr lang="en-US" dirty="0" smtClean="0"/>
+              <a:t>setup process</a:t>
+            </a:r>
+            <a:endParaRPr lang="en-US" dirty="0" smtClean="0"/>
+          </a:p>
+          <a:p>
+            <a:pPr>
+              <a:buFont typeface="Arial" pitchFamily="34" charset="0"/>
+              <a:buChar char="•"/>
+            </a:pPr>
+            <a:r>
+              <a:rPr lang="en-US" dirty="0" smtClean="0"/>
+              <a:t>  Pros</a:t>
+            </a:r>
+          </a:p>
+          <a:p>
+            <a:pPr lvl="1">
+              <a:buFont typeface="Arial" pitchFamily="34" charset="0"/>
+              <a:buChar char="•"/>
+            </a:pPr>
+            <a:r>
+              <a:rPr lang="en-US" dirty="0"/>
+              <a:t> </a:t>
+            </a:r>
+            <a:r>
+              <a:rPr lang="en-US" dirty="0" smtClean="0"/>
+              <a:t> Quickly provide Blockchain Infrastructure</a:t>
+            </a:r>
+          </a:p>
+          <a:p>
+            <a:pPr lvl="1">
+              <a:buFont typeface="Arial" pitchFamily="34" charset="0"/>
+              <a:buChar char="•"/>
+            </a:pPr>
+            <a:r>
+              <a:rPr lang="en-US" dirty="0"/>
+              <a:t> </a:t>
+            </a:r>
+            <a:r>
+              <a:rPr lang="en-US" dirty="0" smtClean="0"/>
+              <a:t> On Demand  </a:t>
+            </a:r>
           </a:p>
         </p:txBody>
       </p:sp>
     </p:spTree>
     <p:extLst>
       <p:ext uri="{BB962C8B-B14F-4D97-AF65-F5344CB8AC3E}">
-        <p14:creationId xmlns:p14="http://schemas.microsoft.com/office/powerpoint/2010/main" val="1733325867"/>
+        <p14:creationId xmlns:p14="http://schemas.microsoft.com/office/powerpoint/2010/main" val="1236400761"/>
       </p:ext>
     </p:extLst>
   </p:cSld>

--- a/slides/AWS-Blockchain-Fabric-Quickstart.pptx
+++ b/slides/AWS-Blockchain-Fabric-Quickstart.pptx
@@ -206,7 +206,7 @@
             <a:fld id="{814910AB-AEF0-414C-82CB-791080B1186B}" type="datetimeFigureOut">
               <a:rPr lang="en-US" smtClean="0"/>
               <a:pPr/>
-              <a:t>7/22/2019</a:t>
+              <a:t>7/23/2019</a:t>
             </a:fld>
             <a:endParaRPr lang="en-US" dirty="0"/>
           </a:p>
@@ -373,7 +373,7 @@
             <a:fld id="{5B4AE38D-E020-46F3-803D-8636C5B7B74E}" type="datetimeFigureOut">
               <a:rPr lang="en-US" smtClean="0"/>
               <a:pPr/>
-              <a:t>7/22/2019</a:t>
+              <a:t>7/23/2019</a:t>
             </a:fld>
             <a:endParaRPr lang="en-US" dirty="0"/>
           </a:p>
@@ -1201,7 +1201,7 @@
             <a:fld id="{7DDB771E-4AED-4DD3-8AA1-5D9FD2224F14}" type="datetimeFigureOut">
               <a:rPr lang="en-US" smtClean="0"/>
               <a:pPr/>
-              <a:t>7/22/2019</a:t>
+              <a:t>7/23/2019</a:t>
             </a:fld>
             <a:endParaRPr lang="en-US" dirty="0"/>
           </a:p>
@@ -1368,7 +1368,7 @@
             <a:fld id="{7DDB771E-4AED-4DD3-8AA1-5D9FD2224F14}" type="datetimeFigureOut">
               <a:rPr lang="en-US" smtClean="0"/>
               <a:pPr/>
-              <a:t>7/22/2019</a:t>
+              <a:t>7/23/2019</a:t>
             </a:fld>
             <a:endParaRPr lang="en-US" dirty="0"/>
           </a:p>
@@ -1545,7 +1545,7 @@
             <a:fld id="{7DDB771E-4AED-4DD3-8AA1-5D9FD2224F14}" type="datetimeFigureOut">
               <a:rPr lang="en-US" smtClean="0"/>
               <a:pPr/>
-              <a:t>7/22/2019</a:t>
+              <a:t>7/23/2019</a:t>
             </a:fld>
             <a:endParaRPr lang="en-US" dirty="0"/>
           </a:p>
@@ -1712,7 +1712,7 @@
             <a:fld id="{7DDB771E-4AED-4DD3-8AA1-5D9FD2224F14}" type="datetimeFigureOut">
               <a:rPr lang="en-US" smtClean="0"/>
               <a:pPr/>
-              <a:t>7/22/2019</a:t>
+              <a:t>7/23/2019</a:t>
             </a:fld>
             <a:endParaRPr lang="en-US" dirty="0"/>
           </a:p>
@@ -1955,7 +1955,7 @@
             <a:fld id="{7DDB771E-4AED-4DD3-8AA1-5D9FD2224F14}" type="datetimeFigureOut">
               <a:rPr lang="en-US" smtClean="0"/>
               <a:pPr/>
-              <a:t>7/22/2019</a:t>
+              <a:t>7/23/2019</a:t>
             </a:fld>
             <a:endParaRPr lang="en-US" dirty="0"/>
           </a:p>
@@ -2240,7 +2240,7 @@
             <a:fld id="{7DDB771E-4AED-4DD3-8AA1-5D9FD2224F14}" type="datetimeFigureOut">
               <a:rPr lang="en-US" smtClean="0"/>
               <a:pPr/>
-              <a:t>7/22/2019</a:t>
+              <a:t>7/23/2019</a:t>
             </a:fld>
             <a:endParaRPr lang="en-US" dirty="0"/>
           </a:p>
@@ -2659,7 +2659,7 @@
             <a:fld id="{7DDB771E-4AED-4DD3-8AA1-5D9FD2224F14}" type="datetimeFigureOut">
               <a:rPr lang="en-US" smtClean="0"/>
               <a:pPr/>
-              <a:t>7/22/2019</a:t>
+              <a:t>7/23/2019</a:t>
             </a:fld>
             <a:endParaRPr lang="en-US" dirty="0"/>
           </a:p>
@@ -2774,7 +2774,7 @@
             <a:fld id="{7DDB771E-4AED-4DD3-8AA1-5D9FD2224F14}" type="datetimeFigureOut">
               <a:rPr lang="en-US" smtClean="0"/>
               <a:pPr/>
-              <a:t>7/22/2019</a:t>
+              <a:t>7/23/2019</a:t>
             </a:fld>
             <a:endParaRPr lang="en-US" dirty="0"/>
           </a:p>
@@ -2866,7 +2866,7 @@
             <a:fld id="{7DDB771E-4AED-4DD3-8AA1-5D9FD2224F14}" type="datetimeFigureOut">
               <a:rPr lang="en-US" smtClean="0"/>
               <a:pPr/>
-              <a:t>7/22/2019</a:t>
+              <a:t>7/23/2019</a:t>
             </a:fld>
             <a:endParaRPr lang="en-US" dirty="0"/>
           </a:p>
@@ -3140,7 +3140,7 @@
             <a:fld id="{7DDB771E-4AED-4DD3-8AA1-5D9FD2224F14}" type="datetimeFigureOut">
               <a:rPr lang="en-US" smtClean="0"/>
               <a:pPr/>
-              <a:t>7/22/2019</a:t>
+              <a:t>7/23/2019</a:t>
             </a:fld>
             <a:endParaRPr lang="en-US" dirty="0"/>
           </a:p>
@@ -3390,7 +3390,7 @@
             <a:fld id="{7DDB771E-4AED-4DD3-8AA1-5D9FD2224F14}" type="datetimeFigureOut">
               <a:rPr lang="en-US" smtClean="0"/>
               <a:pPr/>
-              <a:t>7/22/2019</a:t>
+              <a:t>7/23/2019</a:t>
             </a:fld>
             <a:endParaRPr lang="en-US" dirty="0"/>
           </a:p>
@@ -3600,7 +3600,7 @@
             <a:fld id="{7DDB771E-4AED-4DD3-8AA1-5D9FD2224F14}" type="datetimeFigureOut">
               <a:rPr lang="en-US" smtClean="0"/>
               <a:pPr/>
-              <a:t>7/22/2019</a:t>
+              <a:t>7/23/2019</a:t>
             </a:fld>
             <a:endParaRPr lang="en-US" dirty="0"/>
           </a:p>
@@ -4010,7 +4010,7 @@
         <p:spPr>
           <a:xfrm>
             <a:off x="2454378" y="2777407"/>
-            <a:ext cx="3641608" cy="1477328"/>
+            <a:ext cx="3641608" cy="1754326"/>
           </a:xfrm>
           <a:prstGeom prst="rect">
             <a:avLst/>
@@ -4053,6 +4053,14 @@
               <a:rPr lang="en-US" dirty="0" smtClean="0"/>
               <a:t>kirk.kalvar@kal.technology</a:t>
             </a:r>
+          </a:p>
+          <a:p>
+            <a:pPr algn="ctr"/>
+            <a:r>
+              <a:rPr lang="en-US" dirty="0" smtClean="0"/>
+              <a:t>@kskalvar</a:t>
+            </a:r>
+            <a:endParaRPr lang="en-US" dirty="0" smtClean="0"/>
           </a:p>
         </p:txBody>
       </p:sp>
@@ -5103,6 +5111,110 @@
           </a:p>
         </p:txBody>
       </p:sp>
+      <p:pic>
+        <p:nvPicPr>
+          <p:cNvPr id="8" name="Picture 2"/>
+          <p:cNvPicPr>
+            <a:picLocks noChangeAspect="1" noChangeArrowheads="1"/>
+          </p:cNvPicPr>
+          <p:nvPr/>
+        </p:nvPicPr>
+        <p:blipFill>
+          <a:blip r:embed="rId4">
+            <a:extLst>
+              <a:ext uri="{28A0092B-C50C-407E-A947-70E740481C1C}">
+                <a14:useLocalDpi xmlns:a14="http://schemas.microsoft.com/office/drawing/2010/main" val="0"/>
+              </a:ext>
+            </a:extLst>
+          </a:blip>
+          <a:srcRect/>
+          <a:stretch>
+            <a:fillRect/>
+          </a:stretch>
+        </p:blipFill>
+        <p:spPr bwMode="auto">
+          <a:xfrm>
+            <a:off x="5865529" y="4484978"/>
+            <a:ext cx="1463040" cy="1619994"/>
+          </a:xfrm>
+          <a:prstGeom prst="rect">
+            <a:avLst/>
+          </a:prstGeom>
+          <a:noFill/>
+          <a:ln>
+            <a:noFill/>
+          </a:ln>
+          <a:effectLst/>
+          <a:extLst>
+            <a:ext uri="{909E8E84-426E-40DD-AFC4-6F175D3DCCD1}">
+              <a14:hiddenFill xmlns:a14="http://schemas.microsoft.com/office/drawing/2010/main">
+                <a:solidFill>
+                  <a:schemeClr val="accent1"/>
+                </a:solidFill>
+              </a14:hiddenFill>
+            </a:ext>
+            <a:ext uri="{91240B29-F687-4F45-9708-019B960494DF}">
+              <a14:hiddenLine xmlns:a14="http://schemas.microsoft.com/office/drawing/2010/main" w="9525">
+                <a:solidFill>
+                  <a:schemeClr val="tx1"/>
+                </a:solidFill>
+                <a:miter lim="800000"/>
+                <a:headEnd/>
+                <a:tailEnd/>
+              </a14:hiddenLine>
+            </a:ext>
+            <a:ext uri="{AF507438-7753-43E0-B8FC-AC1667EBCBE1}">
+              <a14:hiddenEffects xmlns:a14="http://schemas.microsoft.com/office/drawing/2010/main">
+                <a:effectLst>
+                  <a:outerShdw dist="35921" dir="2700000" algn="ctr" rotWithShape="0">
+                    <a:schemeClr val="bg2"/>
+                  </a:outerShdw>
+                </a:effectLst>
+              </a14:hiddenEffects>
+            </a:ext>
+          </a:extLst>
+        </p:spPr>
+      </p:pic>
+      <p:cxnSp>
+        <p:nvCxnSpPr>
+          <p:cNvPr id="14" name="Straight Arrow Connector 13"/>
+          <p:cNvCxnSpPr>
+            <a:stCxn id="8" idx="1"/>
+          </p:cNvCxnSpPr>
+          <p:nvPr/>
+        </p:nvCxnSpPr>
+        <p:spPr>
+          <a:xfrm flipH="1">
+            <a:off x="5053013" y="5294975"/>
+            <a:ext cx="822960" cy="0"/>
+          </a:xfrm>
+          <a:prstGeom prst="straightConnector1">
+            <a:avLst/>
+          </a:prstGeom>
+          <a:ln w="38100" cmpd="sng">
+            <a:solidFill>
+              <a:schemeClr val="tx2">
+                <a:lumMod val="75000"/>
+              </a:schemeClr>
+            </a:solidFill>
+            <a:tailEnd type="triangle" w="lg" len="med"/>
+          </a:ln>
+        </p:spPr>
+        <p:style>
+          <a:lnRef idx="1">
+            <a:schemeClr val="accent1"/>
+          </a:lnRef>
+          <a:fillRef idx="0">
+            <a:schemeClr val="accent1"/>
+          </a:fillRef>
+          <a:effectRef idx="0">
+            <a:schemeClr val="accent1"/>
+          </a:effectRef>
+          <a:fontRef idx="minor">
+            <a:schemeClr val="tx1"/>
+          </a:fontRef>
+        </p:style>
+      </p:cxnSp>
     </p:spTree>
     <p:extLst>
       <p:ext uri="{BB962C8B-B14F-4D97-AF65-F5344CB8AC3E}">
@@ -5354,15 +5466,7 @@
             </a:pPr>
             <a:r>
               <a:rPr lang="en-US" dirty="0" smtClean="0"/>
-              <a:t>  To save time an AWS Managed Blockchain has already been configured using  AWS Management Console, EC2 cloud-init, AWS </a:t>
-            </a:r>
-            <a:r>
-              <a:rPr lang="en-US" dirty="0" smtClean="0"/>
-              <a:t>CloudFormation, and scripts</a:t>
-            </a:r>
-            <a:r>
-              <a:rPr lang="en-US" dirty="0" smtClean="0"/>
-              <a:t>.</a:t>
+              <a:t>  To save time an AWS Managed Blockchain has already been configured using  AWS Management Console, EC2 cloud-init, AWS CloudFormation, and scripts.</a:t>
             </a:r>
           </a:p>
           <a:p>
@@ -5379,15 +5483,7 @@
             </a:r>
             <a:r>
               <a:rPr lang="en-US" dirty="0" smtClean="0"/>
-              <a:t> </a:t>
-            </a:r>
-            <a:r>
-              <a:rPr lang="en-US" dirty="0" smtClean="0"/>
-              <a:t>I’ve </a:t>
-            </a:r>
-            <a:r>
-              <a:rPr lang="en-US" dirty="0" smtClean="0"/>
-              <a:t>already:</a:t>
+              <a:t> I’ve already:</a:t>
             </a:r>
           </a:p>
           <a:p>
@@ -5629,13 +5725,8 @@
             </a:r>
             <a:r>
               <a:rPr lang="en-US" dirty="0" smtClean="0"/>
-              <a:t> Need for bash scripts, CloudFormation, and EC2 cloud-init scripts to speed </a:t>
-            </a:r>
-            <a:r>
-              <a:rPr lang="en-US" dirty="0" smtClean="0"/>
-              <a:t>setup process</a:t>
-            </a:r>
-            <a:endParaRPr lang="en-US" dirty="0" smtClean="0"/>
+              <a:t> Need for bash scripts, CloudFormation, and EC2 cloud-init scripts to speed setup process</a:t>
+            </a:r>
           </a:p>
           <a:p>
             <a:pPr>

--- a/slides/AWS-Blockchain-Fabric-Quickstart.pptx
+++ b/slides/AWS-Blockchain-Fabric-Quickstart.pptx
@@ -206,7 +206,7 @@
             <a:fld id="{814910AB-AEF0-414C-82CB-791080B1186B}" type="datetimeFigureOut">
               <a:rPr lang="en-US" smtClean="0"/>
               <a:pPr/>
-              <a:t>7/23/2019</a:t>
+              <a:t>10/19/2019</a:t>
             </a:fld>
             <a:endParaRPr lang="en-US" dirty="0"/>
           </a:p>
@@ -373,7 +373,7 @@
             <a:fld id="{5B4AE38D-E020-46F3-803D-8636C5B7B74E}" type="datetimeFigureOut">
               <a:rPr lang="en-US" smtClean="0"/>
               <a:pPr/>
-              <a:t>7/23/2019</a:t>
+              <a:t>10/19/2019</a:t>
             </a:fld>
             <a:endParaRPr lang="en-US" dirty="0"/>
           </a:p>
@@ -1201,7 +1201,7 @@
             <a:fld id="{7DDB771E-4AED-4DD3-8AA1-5D9FD2224F14}" type="datetimeFigureOut">
               <a:rPr lang="en-US" smtClean="0"/>
               <a:pPr/>
-              <a:t>7/23/2019</a:t>
+              <a:t>10/19/2019</a:t>
             </a:fld>
             <a:endParaRPr lang="en-US" dirty="0"/>
           </a:p>
@@ -1368,7 +1368,7 @@
             <a:fld id="{7DDB771E-4AED-4DD3-8AA1-5D9FD2224F14}" type="datetimeFigureOut">
               <a:rPr lang="en-US" smtClean="0"/>
               <a:pPr/>
-              <a:t>7/23/2019</a:t>
+              <a:t>10/19/2019</a:t>
             </a:fld>
             <a:endParaRPr lang="en-US" dirty="0"/>
           </a:p>
@@ -1545,7 +1545,7 @@
             <a:fld id="{7DDB771E-4AED-4DD3-8AA1-5D9FD2224F14}" type="datetimeFigureOut">
               <a:rPr lang="en-US" smtClean="0"/>
               <a:pPr/>
-              <a:t>7/23/2019</a:t>
+              <a:t>10/19/2019</a:t>
             </a:fld>
             <a:endParaRPr lang="en-US" dirty="0"/>
           </a:p>
@@ -1712,7 +1712,7 @@
             <a:fld id="{7DDB771E-4AED-4DD3-8AA1-5D9FD2224F14}" type="datetimeFigureOut">
               <a:rPr lang="en-US" smtClean="0"/>
               <a:pPr/>
-              <a:t>7/23/2019</a:t>
+              <a:t>10/19/2019</a:t>
             </a:fld>
             <a:endParaRPr lang="en-US" dirty="0"/>
           </a:p>
@@ -1955,7 +1955,7 @@
             <a:fld id="{7DDB771E-4AED-4DD3-8AA1-5D9FD2224F14}" type="datetimeFigureOut">
               <a:rPr lang="en-US" smtClean="0"/>
               <a:pPr/>
-              <a:t>7/23/2019</a:t>
+              <a:t>10/19/2019</a:t>
             </a:fld>
             <a:endParaRPr lang="en-US" dirty="0"/>
           </a:p>
@@ -2240,7 +2240,7 @@
             <a:fld id="{7DDB771E-4AED-4DD3-8AA1-5D9FD2224F14}" type="datetimeFigureOut">
               <a:rPr lang="en-US" smtClean="0"/>
               <a:pPr/>
-              <a:t>7/23/2019</a:t>
+              <a:t>10/19/2019</a:t>
             </a:fld>
             <a:endParaRPr lang="en-US" dirty="0"/>
           </a:p>
@@ -2659,7 +2659,7 @@
             <a:fld id="{7DDB771E-4AED-4DD3-8AA1-5D9FD2224F14}" type="datetimeFigureOut">
               <a:rPr lang="en-US" smtClean="0"/>
               <a:pPr/>
-              <a:t>7/23/2019</a:t>
+              <a:t>10/19/2019</a:t>
             </a:fld>
             <a:endParaRPr lang="en-US" dirty="0"/>
           </a:p>
@@ -2774,7 +2774,7 @@
             <a:fld id="{7DDB771E-4AED-4DD3-8AA1-5D9FD2224F14}" type="datetimeFigureOut">
               <a:rPr lang="en-US" smtClean="0"/>
               <a:pPr/>
-              <a:t>7/23/2019</a:t>
+              <a:t>10/19/2019</a:t>
             </a:fld>
             <a:endParaRPr lang="en-US" dirty="0"/>
           </a:p>
@@ -2866,7 +2866,7 @@
             <a:fld id="{7DDB771E-4AED-4DD3-8AA1-5D9FD2224F14}" type="datetimeFigureOut">
               <a:rPr lang="en-US" smtClean="0"/>
               <a:pPr/>
-              <a:t>7/23/2019</a:t>
+              <a:t>10/19/2019</a:t>
             </a:fld>
             <a:endParaRPr lang="en-US" dirty="0"/>
           </a:p>
@@ -3140,7 +3140,7 @@
             <a:fld id="{7DDB771E-4AED-4DD3-8AA1-5D9FD2224F14}" type="datetimeFigureOut">
               <a:rPr lang="en-US" smtClean="0"/>
               <a:pPr/>
-              <a:t>7/23/2019</a:t>
+              <a:t>10/19/2019</a:t>
             </a:fld>
             <a:endParaRPr lang="en-US" dirty="0"/>
           </a:p>
@@ -3390,7 +3390,7 @@
             <a:fld id="{7DDB771E-4AED-4DD3-8AA1-5D9FD2224F14}" type="datetimeFigureOut">
               <a:rPr lang="en-US" smtClean="0"/>
               <a:pPr/>
-              <a:t>7/23/2019</a:t>
+              <a:t>10/19/2019</a:t>
             </a:fld>
             <a:endParaRPr lang="en-US" dirty="0"/>
           </a:p>
@@ -3600,7 +3600,7 @@
             <a:fld id="{7DDB771E-4AED-4DD3-8AA1-5D9FD2224F14}" type="datetimeFigureOut">
               <a:rPr lang="en-US" smtClean="0"/>
               <a:pPr/>
-              <a:t>7/23/2019</a:t>
+              <a:t>10/19/2019</a:t>
             </a:fld>
             <a:endParaRPr lang="en-US" dirty="0"/>
           </a:p>
@@ -4060,7 +4060,6 @@
               <a:rPr lang="en-US" dirty="0" smtClean="0"/>
               <a:t>@kskalvar</a:t>
             </a:r>
-            <a:endParaRPr lang="en-US" dirty="0" smtClean="0"/>
           </a:p>
         </p:txBody>
       </p:sp>
@@ -4679,7 +4678,7 @@
         <p:spPr>
           <a:xfrm>
             <a:off x="1263242" y="1572798"/>
-            <a:ext cx="6705600" cy="923330"/>
+            <a:ext cx="6705600" cy="1477328"/>
           </a:xfrm>
           <a:prstGeom prst="rect">
             <a:avLst/>
@@ -4698,8 +4697,15 @@
             </a:pPr>
             <a:r>
               <a:rPr lang="en-US" dirty="0" smtClean="0"/>
-              <a:t>  AWS Account (root)</a:t>
-            </a:r>
+              <a:t>  AWS Account (root</a:t>
+            </a:r>
+            <a:r>
+              <a:rPr lang="en-US" dirty="0" smtClean="0"/>
+              <a:t>)</a:t>
+            </a:r>
+          </a:p>
+          <a:p>
+            <a:endParaRPr lang="en-US" dirty="0" smtClean="0"/>
           </a:p>
           <a:p>
             <a:pPr>
@@ -4716,9 +4722,20 @@
               <a:buFont typeface="Arial" pitchFamily="34" charset="0"/>
               <a:buChar char="•"/>
             </a:pPr>
-            <a:r>
-              <a:rPr lang="en-US" dirty="0" smtClean="0"/>
-              <a:t> Installation time ~30 minutes</a:t>
+            <a:endParaRPr lang="en-US" dirty="0" smtClean="0"/>
+          </a:p>
+          <a:p>
+            <a:pPr>
+              <a:buFont typeface="Arial" pitchFamily="34" charset="0"/>
+              <a:buChar char="•"/>
+            </a:pPr>
+            <a:r>
+              <a:rPr lang="en-US" dirty="0" smtClean="0"/>
+              <a:t> </a:t>
+            </a:r>
+            <a:r>
+              <a:rPr lang="en-US" dirty="0" smtClean="0"/>
+              <a:t>Installation time ~30 minutes</a:t>
             </a:r>
           </a:p>
         </p:txBody>

--- a/slides/AWS-Blockchain-Fabric-Quickstart.pptx
+++ b/slides/AWS-Blockchain-Fabric-Quickstart.pptx
@@ -206,7 +206,7 @@
             <a:fld id="{814910AB-AEF0-414C-82CB-791080B1186B}" type="datetimeFigureOut">
               <a:rPr lang="en-US" smtClean="0"/>
               <a:pPr/>
-              <a:t>10/19/2019</a:t>
+              <a:t>10/21/2019</a:t>
             </a:fld>
             <a:endParaRPr lang="en-US" dirty="0"/>
           </a:p>
@@ -373,7 +373,7 @@
             <a:fld id="{5B4AE38D-E020-46F3-803D-8636C5B7B74E}" type="datetimeFigureOut">
               <a:rPr lang="en-US" smtClean="0"/>
               <a:pPr/>
-              <a:t>10/19/2019</a:t>
+              <a:t>10/21/2019</a:t>
             </a:fld>
             <a:endParaRPr lang="en-US" dirty="0"/>
           </a:p>
@@ -1201,7 +1201,7 @@
             <a:fld id="{7DDB771E-4AED-4DD3-8AA1-5D9FD2224F14}" type="datetimeFigureOut">
               <a:rPr lang="en-US" smtClean="0"/>
               <a:pPr/>
-              <a:t>10/19/2019</a:t>
+              <a:t>10/21/2019</a:t>
             </a:fld>
             <a:endParaRPr lang="en-US" dirty="0"/>
           </a:p>
@@ -1368,7 +1368,7 @@
             <a:fld id="{7DDB771E-4AED-4DD3-8AA1-5D9FD2224F14}" type="datetimeFigureOut">
               <a:rPr lang="en-US" smtClean="0"/>
               <a:pPr/>
-              <a:t>10/19/2019</a:t>
+              <a:t>10/21/2019</a:t>
             </a:fld>
             <a:endParaRPr lang="en-US" dirty="0"/>
           </a:p>
@@ -1545,7 +1545,7 @@
             <a:fld id="{7DDB771E-4AED-4DD3-8AA1-5D9FD2224F14}" type="datetimeFigureOut">
               <a:rPr lang="en-US" smtClean="0"/>
               <a:pPr/>
-              <a:t>10/19/2019</a:t>
+              <a:t>10/21/2019</a:t>
             </a:fld>
             <a:endParaRPr lang="en-US" dirty="0"/>
           </a:p>
@@ -1712,7 +1712,7 @@
             <a:fld id="{7DDB771E-4AED-4DD3-8AA1-5D9FD2224F14}" type="datetimeFigureOut">
               <a:rPr lang="en-US" smtClean="0"/>
               <a:pPr/>
-              <a:t>10/19/2019</a:t>
+              <a:t>10/21/2019</a:t>
             </a:fld>
             <a:endParaRPr lang="en-US" dirty="0"/>
           </a:p>
@@ -1955,7 +1955,7 @@
             <a:fld id="{7DDB771E-4AED-4DD3-8AA1-5D9FD2224F14}" type="datetimeFigureOut">
               <a:rPr lang="en-US" smtClean="0"/>
               <a:pPr/>
-              <a:t>10/19/2019</a:t>
+              <a:t>10/21/2019</a:t>
             </a:fld>
             <a:endParaRPr lang="en-US" dirty="0"/>
           </a:p>
@@ -2240,7 +2240,7 @@
             <a:fld id="{7DDB771E-4AED-4DD3-8AA1-5D9FD2224F14}" type="datetimeFigureOut">
               <a:rPr lang="en-US" smtClean="0"/>
               <a:pPr/>
-              <a:t>10/19/2019</a:t>
+              <a:t>10/21/2019</a:t>
             </a:fld>
             <a:endParaRPr lang="en-US" dirty="0"/>
           </a:p>
@@ -2659,7 +2659,7 @@
             <a:fld id="{7DDB771E-4AED-4DD3-8AA1-5D9FD2224F14}" type="datetimeFigureOut">
               <a:rPr lang="en-US" smtClean="0"/>
               <a:pPr/>
-              <a:t>10/19/2019</a:t>
+              <a:t>10/21/2019</a:t>
             </a:fld>
             <a:endParaRPr lang="en-US" dirty="0"/>
           </a:p>
@@ -2774,7 +2774,7 @@
             <a:fld id="{7DDB771E-4AED-4DD3-8AA1-5D9FD2224F14}" type="datetimeFigureOut">
               <a:rPr lang="en-US" smtClean="0"/>
               <a:pPr/>
-              <a:t>10/19/2019</a:t>
+              <a:t>10/21/2019</a:t>
             </a:fld>
             <a:endParaRPr lang="en-US" dirty="0"/>
           </a:p>
@@ -2866,7 +2866,7 @@
             <a:fld id="{7DDB771E-4AED-4DD3-8AA1-5D9FD2224F14}" type="datetimeFigureOut">
               <a:rPr lang="en-US" smtClean="0"/>
               <a:pPr/>
-              <a:t>10/19/2019</a:t>
+              <a:t>10/21/2019</a:t>
             </a:fld>
             <a:endParaRPr lang="en-US" dirty="0"/>
           </a:p>
@@ -3140,7 +3140,7 @@
             <a:fld id="{7DDB771E-4AED-4DD3-8AA1-5D9FD2224F14}" type="datetimeFigureOut">
               <a:rPr lang="en-US" smtClean="0"/>
               <a:pPr/>
-              <a:t>10/19/2019</a:t>
+              <a:t>10/21/2019</a:t>
             </a:fld>
             <a:endParaRPr lang="en-US" dirty="0"/>
           </a:p>
@@ -3390,7 +3390,7 @@
             <a:fld id="{7DDB771E-4AED-4DD3-8AA1-5D9FD2224F14}" type="datetimeFigureOut">
               <a:rPr lang="en-US" smtClean="0"/>
               <a:pPr/>
-              <a:t>10/19/2019</a:t>
+              <a:t>10/21/2019</a:t>
             </a:fld>
             <a:endParaRPr lang="en-US" dirty="0"/>
           </a:p>
@@ -3600,7 +3600,7 @@
             <a:fld id="{7DDB771E-4AED-4DD3-8AA1-5D9FD2224F14}" type="datetimeFigureOut">
               <a:rPr lang="en-US" smtClean="0"/>
               <a:pPr/>
-              <a:t>10/19/2019</a:t>
+              <a:t>10/21/2019</a:t>
             </a:fld>
             <a:endParaRPr lang="en-US" dirty="0"/>
           </a:p>
@@ -4697,11 +4697,7 @@
             </a:pPr>
             <a:r>
               <a:rPr lang="en-US" dirty="0" smtClean="0"/>
-              <a:t>  AWS Account (root</a:t>
-            </a:r>
-            <a:r>
-              <a:rPr lang="en-US" dirty="0" smtClean="0"/>
-              <a:t>)</a:t>
+              <a:t>  AWS Account (root)</a:t>
             </a:r>
           </a:p>
           <a:p>
@@ -4731,11 +4727,7 @@
             </a:pPr>
             <a:r>
               <a:rPr lang="en-US" dirty="0" smtClean="0"/>
-              <a:t> </a:t>
-            </a:r>
-            <a:r>
-              <a:rPr lang="en-US" dirty="0" smtClean="0"/>
-              <a:t>Installation time ~30 minutes</a:t>
+              <a:t> Installation time ~30 minutes</a:t>
             </a:r>
           </a:p>
         </p:txBody>
@@ -5301,7 +5293,7 @@
         <p:spPr>
           <a:xfrm>
             <a:off x="879894" y="1584186"/>
-            <a:ext cx="7608651" cy="1754326"/>
+            <a:ext cx="7608651" cy="3139321"/>
           </a:xfrm>
           <a:prstGeom prst="rect">
             <a:avLst/>
@@ -5320,7 +5312,11 @@
             </a:pPr>
             <a:r>
               <a:rPr lang="en-US" dirty="0"/>
-              <a:t>  Create Amazon Managed Hyperledger</a:t>
+              <a:t>  Create Amazon Managed </a:t>
+            </a:r>
+            <a:r>
+              <a:rPr lang="en-US" dirty="0" smtClean="0"/>
+              <a:t>Hyperledger</a:t>
             </a:r>
           </a:p>
           <a:p>
@@ -5328,14 +5324,7 @@
               <a:buFont typeface="Arial" pitchFamily="34" charset="0"/>
               <a:buChar char="•"/>
             </a:pPr>
-            <a:r>
-              <a:rPr lang="en-US" dirty="0" smtClean="0"/>
-              <a:t>  Create </a:t>
-            </a:r>
-            <a:r>
-              <a:rPr lang="en-US" dirty="0"/>
-              <a:t>Amazon Managed Hyperledger Fabric Peer Node</a:t>
-            </a:r>
+            <a:endParaRPr lang="en-US" dirty="0"/>
           </a:p>
           <a:p>
             <a:pPr>
@@ -5348,7 +5337,11 @@
             </a:r>
             <a:r>
               <a:rPr lang="en-US" dirty="0"/>
-              <a:t>AWS EC2 Hyperledger Console Instance</a:t>
+              <a:t>Amazon Managed Hyperledger Fabric Peer </a:t>
+            </a:r>
+            <a:r>
+              <a:rPr lang="en-US" dirty="0" smtClean="0"/>
+              <a:t>Node</a:t>
             </a:r>
           </a:p>
           <a:p>
@@ -5356,14 +5349,7 @@
               <a:buFont typeface="Arial" pitchFamily="34" charset="0"/>
               <a:buChar char="•"/>
             </a:pPr>
-            <a:r>
-              <a:rPr lang="en-US" dirty="0" smtClean="0"/>
-              <a:t>  Create </a:t>
-            </a:r>
-            <a:r>
-              <a:rPr lang="en-US" dirty="0"/>
-              <a:t>AWS EC2 Hyperledger Fabric Client Node</a:t>
-            </a:r>
+            <a:endParaRPr lang="en-US" dirty="0"/>
           </a:p>
           <a:p>
             <a:pPr>
@@ -5372,12 +5358,73 @@
             </a:pPr>
             <a:r>
               <a:rPr lang="en-US" dirty="0" smtClean="0"/>
+              <a:t>  Create </a:t>
+            </a:r>
+            <a:r>
+              <a:rPr lang="en-US" dirty="0"/>
+              <a:t>AWS EC2 Hyperledger Console </a:t>
+            </a:r>
+            <a:r>
+              <a:rPr lang="en-US" dirty="0" smtClean="0"/>
+              <a:t>Instance</a:t>
+            </a:r>
+          </a:p>
+          <a:p>
+            <a:pPr>
+              <a:buFont typeface="Arial" pitchFamily="34" charset="0"/>
+              <a:buChar char="•"/>
+            </a:pPr>
+            <a:endParaRPr lang="en-US" dirty="0"/>
+          </a:p>
+          <a:p>
+            <a:pPr>
+              <a:buFont typeface="Arial" pitchFamily="34" charset="0"/>
+              <a:buChar char="•"/>
+            </a:pPr>
+            <a:r>
+              <a:rPr lang="en-US" dirty="0" smtClean="0"/>
+              <a:t>  Create </a:t>
+            </a:r>
+            <a:r>
+              <a:rPr lang="en-US" dirty="0"/>
+              <a:t>AWS EC2 Hyperledger Fabric Client </a:t>
+            </a:r>
+            <a:r>
+              <a:rPr lang="en-US" dirty="0" smtClean="0"/>
+              <a:t>Node</a:t>
+            </a:r>
+          </a:p>
+          <a:p>
+            <a:pPr>
+              <a:buFont typeface="Arial" pitchFamily="34" charset="0"/>
+              <a:buChar char="•"/>
+            </a:pPr>
+            <a:endParaRPr lang="en-US" dirty="0"/>
+          </a:p>
+          <a:p>
+            <a:pPr>
+              <a:buFont typeface="Arial" pitchFamily="34" charset="0"/>
+              <a:buChar char="•"/>
+            </a:pPr>
+            <a:r>
+              <a:rPr lang="en-US" dirty="0" smtClean="0"/>
               <a:t>  Configure </a:t>
             </a:r>
             <a:r>
               <a:rPr lang="en-US" dirty="0"/>
-              <a:t>AWS EC2 Hyperledger Fabric Client Node and Enroll Identity</a:t>
-            </a:r>
+              <a:t>AWS EC2 Hyperledger Fabric Client Node and Enroll </a:t>
+            </a:r>
+            <a:r>
+              <a:rPr lang="en-US" dirty="0" smtClean="0"/>
+              <a:t>Identity</a:t>
+            </a:r>
+          </a:p>
+          <a:p>
+            <a:pPr>
+              <a:buFont typeface="Arial" pitchFamily="34" charset="0"/>
+              <a:buChar char="•"/>
+            </a:pPr>
+            <a:endParaRPr lang="en-US" dirty="0"/>
           </a:p>
           <a:p>
             <a:pPr>

--- a/slides/AWS-Blockchain-Fabric-Quickstart.pptx
+++ b/slides/AWS-Blockchain-Fabric-Quickstart.pptx
@@ -206,7 +206,7 @@
             <a:fld id="{814910AB-AEF0-414C-82CB-791080B1186B}" type="datetimeFigureOut">
               <a:rPr lang="en-US" smtClean="0"/>
               <a:pPr/>
-              <a:t>10/21/2019</a:t>
+              <a:t>10/22/2019</a:t>
             </a:fld>
             <a:endParaRPr lang="en-US" dirty="0"/>
           </a:p>
@@ -373,7 +373,7 @@
             <a:fld id="{5B4AE38D-E020-46F3-803D-8636C5B7B74E}" type="datetimeFigureOut">
               <a:rPr lang="en-US" smtClean="0"/>
               <a:pPr/>
-              <a:t>10/21/2019</a:t>
+              <a:t>10/22/2019</a:t>
             </a:fld>
             <a:endParaRPr lang="en-US" dirty="0"/>
           </a:p>
@@ -1201,7 +1201,7 @@
             <a:fld id="{7DDB771E-4AED-4DD3-8AA1-5D9FD2224F14}" type="datetimeFigureOut">
               <a:rPr lang="en-US" smtClean="0"/>
               <a:pPr/>
-              <a:t>10/21/2019</a:t>
+              <a:t>10/22/2019</a:t>
             </a:fld>
             <a:endParaRPr lang="en-US" dirty="0"/>
           </a:p>
@@ -1368,7 +1368,7 @@
             <a:fld id="{7DDB771E-4AED-4DD3-8AA1-5D9FD2224F14}" type="datetimeFigureOut">
               <a:rPr lang="en-US" smtClean="0"/>
               <a:pPr/>
-              <a:t>10/21/2019</a:t>
+              <a:t>10/22/2019</a:t>
             </a:fld>
             <a:endParaRPr lang="en-US" dirty="0"/>
           </a:p>
@@ -1545,7 +1545,7 @@
             <a:fld id="{7DDB771E-4AED-4DD3-8AA1-5D9FD2224F14}" type="datetimeFigureOut">
               <a:rPr lang="en-US" smtClean="0"/>
               <a:pPr/>
-              <a:t>10/21/2019</a:t>
+              <a:t>10/22/2019</a:t>
             </a:fld>
             <a:endParaRPr lang="en-US" dirty="0"/>
           </a:p>
@@ -1712,7 +1712,7 @@
             <a:fld id="{7DDB771E-4AED-4DD3-8AA1-5D9FD2224F14}" type="datetimeFigureOut">
               <a:rPr lang="en-US" smtClean="0"/>
               <a:pPr/>
-              <a:t>10/21/2019</a:t>
+              <a:t>10/22/2019</a:t>
             </a:fld>
             <a:endParaRPr lang="en-US" dirty="0"/>
           </a:p>
@@ -1955,7 +1955,7 @@
             <a:fld id="{7DDB771E-4AED-4DD3-8AA1-5D9FD2224F14}" type="datetimeFigureOut">
               <a:rPr lang="en-US" smtClean="0"/>
               <a:pPr/>
-              <a:t>10/21/2019</a:t>
+              <a:t>10/22/2019</a:t>
             </a:fld>
             <a:endParaRPr lang="en-US" dirty="0"/>
           </a:p>
@@ -2240,7 +2240,7 @@
             <a:fld id="{7DDB771E-4AED-4DD3-8AA1-5D9FD2224F14}" type="datetimeFigureOut">
               <a:rPr lang="en-US" smtClean="0"/>
               <a:pPr/>
-              <a:t>10/21/2019</a:t>
+              <a:t>10/22/2019</a:t>
             </a:fld>
             <a:endParaRPr lang="en-US" dirty="0"/>
           </a:p>
@@ -2659,7 +2659,7 @@
             <a:fld id="{7DDB771E-4AED-4DD3-8AA1-5D9FD2224F14}" type="datetimeFigureOut">
               <a:rPr lang="en-US" smtClean="0"/>
               <a:pPr/>
-              <a:t>10/21/2019</a:t>
+              <a:t>10/22/2019</a:t>
             </a:fld>
             <a:endParaRPr lang="en-US" dirty="0"/>
           </a:p>
@@ -2774,7 +2774,7 @@
             <a:fld id="{7DDB771E-4AED-4DD3-8AA1-5D9FD2224F14}" type="datetimeFigureOut">
               <a:rPr lang="en-US" smtClean="0"/>
               <a:pPr/>
-              <a:t>10/21/2019</a:t>
+              <a:t>10/22/2019</a:t>
             </a:fld>
             <a:endParaRPr lang="en-US" dirty="0"/>
           </a:p>
@@ -2866,7 +2866,7 @@
             <a:fld id="{7DDB771E-4AED-4DD3-8AA1-5D9FD2224F14}" type="datetimeFigureOut">
               <a:rPr lang="en-US" smtClean="0"/>
               <a:pPr/>
-              <a:t>10/21/2019</a:t>
+              <a:t>10/22/2019</a:t>
             </a:fld>
             <a:endParaRPr lang="en-US" dirty="0"/>
           </a:p>
@@ -3140,7 +3140,7 @@
             <a:fld id="{7DDB771E-4AED-4DD3-8AA1-5D9FD2224F14}" type="datetimeFigureOut">
               <a:rPr lang="en-US" smtClean="0"/>
               <a:pPr/>
-              <a:t>10/21/2019</a:t>
+              <a:t>10/22/2019</a:t>
             </a:fld>
             <a:endParaRPr lang="en-US" dirty="0"/>
           </a:p>
@@ -3390,7 +3390,7 @@
             <a:fld id="{7DDB771E-4AED-4DD3-8AA1-5D9FD2224F14}" type="datetimeFigureOut">
               <a:rPr lang="en-US" smtClean="0"/>
               <a:pPr/>
-              <a:t>10/21/2019</a:t>
+              <a:t>10/22/2019</a:t>
             </a:fld>
             <a:endParaRPr lang="en-US" dirty="0"/>
           </a:p>
@@ -3600,7 +3600,7 @@
             <a:fld id="{7DDB771E-4AED-4DD3-8AA1-5D9FD2224F14}" type="datetimeFigureOut">
               <a:rPr lang="en-US" smtClean="0"/>
               <a:pPr/>
-              <a:t>10/21/2019</a:t>
+              <a:t>10/22/2019</a:t>
             </a:fld>
             <a:endParaRPr lang="en-US" dirty="0"/>
           </a:p>
@@ -5224,6 +5224,36 @@
           </a:fontRef>
         </p:style>
       </p:cxnSp>
+      <p:sp>
+        <p:nvSpPr>
+          <p:cNvPr id="4" name="TextBox 3"/>
+          <p:cNvSpPr txBox="1"/>
+          <p:nvPr/>
+        </p:nvSpPr>
+        <p:spPr>
+          <a:xfrm>
+            <a:off x="6239419" y="5615795"/>
+            <a:ext cx="715260" cy="215444"/>
+          </a:xfrm>
+          <a:prstGeom prst="rect">
+            <a:avLst/>
+          </a:prstGeom>
+          <a:noFill/>
+        </p:spPr>
+        <p:txBody>
+          <a:bodyPr wrap="none" rtlCol="0">
+            <a:spAutoFit/>
+          </a:bodyPr>
+          <a:lstStyle/>
+          <a:p>
+            <a:r>
+              <a:rPr lang="en-US" sz="800" dirty="0" smtClean="0"/>
+              <a:t>EC2 Instance</a:t>
+            </a:r>
+            <a:endParaRPr lang="en-US" sz="800" dirty="0"/>
+          </a:p>
+        </p:txBody>
+      </p:sp>
     </p:spTree>
     <p:extLst>
       <p:ext uri="{BB962C8B-B14F-4D97-AF65-F5344CB8AC3E}">
@@ -5292,8 +5322,8 @@
         </p:nvSpPr>
         <p:spPr>
           <a:xfrm>
-            <a:off x="879894" y="1584186"/>
-            <a:ext cx="7608651" cy="3139321"/>
+            <a:off x="595224" y="1584186"/>
+            <a:ext cx="8048444" cy="1754326"/>
           </a:xfrm>
           <a:prstGeom prst="rect">
             <a:avLst/>
@@ -5318,13 +5348,29 @@
               <a:rPr lang="en-US" dirty="0" smtClean="0"/>
               <a:t>Hyperledger</a:t>
             </a:r>
+            <a:endParaRPr lang="en-US" dirty="0" smtClean="0"/>
           </a:p>
           <a:p>
             <a:pPr>
               <a:buFont typeface="Arial" pitchFamily="34" charset="0"/>
               <a:buChar char="•"/>
             </a:pPr>
-            <a:endParaRPr lang="en-US" dirty="0"/>
+            <a:r>
+              <a:rPr lang="en-US" dirty="0" smtClean="0"/>
+              <a:t>  </a:t>
+            </a:r>
+            <a:r>
+              <a:rPr lang="en-US" dirty="0" smtClean="0"/>
+              <a:t>Create </a:t>
+            </a:r>
+            <a:r>
+              <a:rPr lang="en-US" dirty="0"/>
+              <a:t>Amazon Managed Hyperledger Fabric Peer </a:t>
+            </a:r>
+            <a:r>
+              <a:rPr lang="en-US" dirty="0" smtClean="0"/>
+              <a:t>Node</a:t>
+            </a:r>
           </a:p>
           <a:p>
             <a:pPr>
@@ -5333,23 +5379,43 @@
             </a:pPr>
             <a:r>
               <a:rPr lang="en-US" dirty="0" smtClean="0"/>
-              <a:t>  Create </a:t>
+              <a:t>  </a:t>
+            </a:r>
+            <a:r>
+              <a:rPr lang="en-US" dirty="0" smtClean="0"/>
+              <a:t>Create </a:t>
             </a:r>
             <a:r>
               <a:rPr lang="en-US" dirty="0"/>
-              <a:t>Amazon Managed Hyperledger Fabric Peer </a:t>
-            </a:r>
-            <a:r>
-              <a:rPr lang="en-US" dirty="0" smtClean="0"/>
-              <a:t>Node</a:t>
-            </a:r>
+              <a:t>AWS EC2 Hyperledger Console </a:t>
+            </a:r>
+            <a:r>
+              <a:rPr lang="en-US" dirty="0" smtClean="0"/>
+              <a:t>Instance</a:t>
+            </a:r>
+            <a:endParaRPr lang="en-US" dirty="0" smtClean="0"/>
           </a:p>
           <a:p>
             <a:pPr>
               <a:buFont typeface="Arial" pitchFamily="34" charset="0"/>
               <a:buChar char="•"/>
             </a:pPr>
-            <a:endParaRPr lang="en-US" dirty="0"/>
+            <a:r>
+              <a:rPr lang="en-US" dirty="0" smtClean="0"/>
+              <a:t>  </a:t>
+            </a:r>
+            <a:r>
+              <a:rPr lang="en-US" dirty="0" smtClean="0"/>
+              <a:t>Create </a:t>
+            </a:r>
+            <a:r>
+              <a:rPr lang="en-US" dirty="0"/>
+              <a:t>AWS EC2 Hyperledger Fabric Client </a:t>
+            </a:r>
+            <a:r>
+              <a:rPr lang="en-US" dirty="0" smtClean="0"/>
+              <a:t>Node</a:t>
+            </a:r>
           </a:p>
           <a:p>
             <a:pPr>
@@ -5358,15 +5424,19 @@
             </a:pPr>
             <a:r>
               <a:rPr lang="en-US" dirty="0" smtClean="0"/>
-              <a:t>  Create </a:t>
+              <a:t>  </a:t>
+            </a:r>
+            <a:r>
+              <a:rPr lang="en-US" dirty="0" smtClean="0"/>
+              <a:t>Configure </a:t>
             </a:r>
             <a:r>
               <a:rPr lang="en-US" dirty="0"/>
-              <a:t>AWS EC2 Hyperledger Console </a:t>
-            </a:r>
-            <a:r>
-              <a:rPr lang="en-US" dirty="0" smtClean="0"/>
-              <a:t>Instance</a:t>
+              <a:t>AWS EC2 Hyperledger Fabric Client Node and Enroll </a:t>
+            </a:r>
+            <a:r>
+              <a:rPr lang="en-US" dirty="0" smtClean="0"/>
+              <a:t>Identity</a:t>
             </a:r>
           </a:p>
           <a:p>
@@ -5374,66 +5444,13 @@
               <a:buFont typeface="Arial" pitchFamily="34" charset="0"/>
               <a:buChar char="•"/>
             </a:pPr>
-            <a:endParaRPr lang="en-US" dirty="0"/>
-          </a:p>
-          <a:p>
-            <a:pPr>
-              <a:buFont typeface="Arial" pitchFamily="34" charset="0"/>
-              <a:buChar char="•"/>
-            </a:pPr>
-            <a:r>
-              <a:rPr lang="en-US" dirty="0" smtClean="0"/>
-              <a:t>  Create </a:t>
-            </a:r>
-            <a:r>
-              <a:rPr lang="en-US" dirty="0"/>
-              <a:t>AWS EC2 Hyperledger Fabric Client </a:t>
-            </a:r>
-            <a:r>
-              <a:rPr lang="en-US" dirty="0" smtClean="0"/>
-              <a:t>Node</a:t>
-            </a:r>
-          </a:p>
-          <a:p>
-            <a:pPr>
-              <a:buFont typeface="Arial" pitchFamily="34" charset="0"/>
-              <a:buChar char="•"/>
-            </a:pPr>
-            <a:endParaRPr lang="en-US" dirty="0"/>
-          </a:p>
-          <a:p>
-            <a:pPr>
-              <a:buFont typeface="Arial" pitchFamily="34" charset="0"/>
-              <a:buChar char="•"/>
-            </a:pPr>
-            <a:r>
-              <a:rPr lang="en-US" dirty="0" smtClean="0"/>
-              <a:t>  Configure </a:t>
-            </a:r>
-            <a:r>
-              <a:rPr lang="en-US" dirty="0"/>
-              <a:t>AWS EC2 Hyperledger Fabric Client Node and Enroll </a:t>
-            </a:r>
-            <a:r>
-              <a:rPr lang="en-US" dirty="0" smtClean="0"/>
-              <a:t>Identity</a:t>
-            </a:r>
-          </a:p>
-          <a:p>
-            <a:pPr>
-              <a:buFont typeface="Arial" pitchFamily="34" charset="0"/>
-              <a:buChar char="•"/>
-            </a:pPr>
-            <a:endParaRPr lang="en-US" dirty="0"/>
-          </a:p>
-          <a:p>
-            <a:pPr>
-              <a:buFont typeface="Arial" pitchFamily="34" charset="0"/>
-              <a:buChar char="•"/>
-            </a:pPr>
-            <a:r>
-              <a:rPr lang="en-US" dirty="0" smtClean="0"/>
-              <a:t>  Using </a:t>
+            <a:r>
+              <a:rPr lang="en-US" dirty="0" smtClean="0"/>
+              <a:t>  </a:t>
+            </a:r>
+            <a:r>
+              <a:rPr lang="en-US" dirty="0" smtClean="0"/>
+              <a:t>Using </a:t>
             </a:r>
             <a:r>
               <a:rPr lang="en-US" dirty="0"/>
@@ -5511,7 +5528,7 @@
         <p:spPr>
           <a:xfrm>
             <a:off x="757367" y="1584186"/>
-            <a:ext cx="7515090" cy="3416320"/>
+            <a:ext cx="7515090" cy="2585323"/>
           </a:xfrm>
           <a:prstGeom prst="rect">
             <a:avLst/>
@@ -5547,8 +5564,17 @@
             </a:r>
             <a:r>
               <a:rPr lang="en-US" dirty="0" smtClean="0"/>
-              <a:t> I’ve already:</a:t>
-            </a:r>
+              <a:t> </a:t>
+            </a:r>
+            <a:r>
+              <a:rPr lang="en-US" dirty="0" smtClean="0"/>
+              <a:t>We will</a:t>
+            </a:r>
+            <a:r>
+              <a:rPr lang="en-US" dirty="0" smtClean="0"/>
+              <a:t>:</a:t>
+            </a:r>
+            <a:endParaRPr lang="en-US" dirty="0" smtClean="0"/>
           </a:p>
           <a:p>
             <a:pPr lvl="1">
@@ -5603,7 +5629,11 @@
             </a:r>
             <a:r>
               <a:rPr lang="en-US" dirty="0" smtClean="0"/>
-              <a:t> Instantiated the Chaincode on the Channel</a:t>
+              <a:t> Instantiated the Chaincode on the </a:t>
+            </a:r>
+            <a:r>
+              <a:rPr lang="en-US" dirty="0" smtClean="0"/>
+              <a:t>Channel</a:t>
             </a:r>
           </a:p>
           <a:p>
@@ -5611,49 +5641,15 @@
               <a:buFont typeface="Arial" pitchFamily="34" charset="0"/>
               <a:buChar char="•"/>
             </a:pPr>
-            <a:endParaRPr lang="en-US" dirty="0" smtClean="0"/>
-          </a:p>
-          <a:p>
-            <a:pPr>
-              <a:buFont typeface="Arial" pitchFamily="34" charset="0"/>
-              <a:buChar char="•"/>
-            </a:pPr>
             <a:r>
               <a:rPr lang="en-US" dirty="0"/>
               <a:t> </a:t>
             </a:r>
             <a:r>
               <a:rPr lang="en-US" dirty="0" smtClean="0"/>
-              <a:t> We should be able to perform basic operations using the Chaincode:</a:t>
-            </a:r>
-          </a:p>
-          <a:p>
-            <a:pPr lvl="1">
-              <a:buFont typeface="Arial" pitchFamily="34" charset="0"/>
-              <a:buChar char="•"/>
-            </a:pPr>
-            <a:r>
-              <a:rPr lang="en-US" dirty="0"/>
-              <a:t> </a:t>
-            </a:r>
-            <a:r>
-              <a:rPr lang="en-US" dirty="0" smtClean="0"/>
-              <a:t> Query the Chaincode</a:t>
-            </a:r>
-          </a:p>
-          <a:p>
-            <a:pPr lvl="1">
-              <a:buFont typeface="Arial" pitchFamily="34" charset="0"/>
-              <a:buChar char="•"/>
-            </a:pPr>
-            <a:r>
-              <a:rPr lang="en-US" dirty="0"/>
-              <a:t> </a:t>
-            </a:r>
-            <a:r>
-              <a:rPr lang="en-US" dirty="0" smtClean="0"/>
-              <a:t> Invoke a Transaction</a:t>
-            </a:r>
+              <a:t> Invoke Transaction</a:t>
+            </a:r>
+            <a:endParaRPr lang="en-US" dirty="0" smtClean="0"/>
           </a:p>
         </p:txBody>
       </p:sp>
@@ -5789,7 +5785,15 @@
             </a:r>
             <a:r>
               <a:rPr lang="en-US" dirty="0" smtClean="0"/>
-              <a:t> Need for bash scripts, CloudFormation, and EC2 cloud-init scripts to speed setup process</a:t>
+              <a:t> Need for bash scripts, CloudFormation, and EC2 cloud-init </a:t>
+            </a:r>
+            <a:r>
+              <a:rPr lang="en-US" dirty="0" smtClean="0"/>
+              <a:t>to </a:t>
+            </a:r>
+            <a:r>
+              <a:rPr lang="en-US" dirty="0" smtClean="0"/>
+              <a:t>speed setup process</a:t>
             </a:r>
           </a:p>
           <a:p>
